--- a/Dokumente/BVS.pptx
+++ b/Dokumente/BVS.pptx
@@ -7,17 +7,24 @@
   <p:sldIdLst>
     <p:sldId id="256" r:id="rId2"/>
     <p:sldId id="257" r:id="rId3"/>
-    <p:sldId id="258" r:id="rId4"/>
-    <p:sldId id="259" r:id="rId5"/>
-    <p:sldId id="261" r:id="rId6"/>
-    <p:sldId id="262" r:id="rId7"/>
-    <p:sldId id="263" r:id="rId8"/>
-    <p:sldId id="264" r:id="rId9"/>
-    <p:sldId id="265" r:id="rId10"/>
-    <p:sldId id="266" r:id="rId11"/>
-    <p:sldId id="267" r:id="rId12"/>
-    <p:sldId id="268" r:id="rId13"/>
-    <p:sldId id="269" r:id="rId14"/>
+    <p:sldId id="274" r:id="rId4"/>
+    <p:sldId id="275" r:id="rId5"/>
+    <p:sldId id="276" r:id="rId6"/>
+    <p:sldId id="277" r:id="rId7"/>
+    <p:sldId id="258" r:id="rId8"/>
+    <p:sldId id="259" r:id="rId9"/>
+    <p:sldId id="261" r:id="rId10"/>
+    <p:sldId id="262" r:id="rId11"/>
+    <p:sldId id="263" r:id="rId12"/>
+    <p:sldId id="270" r:id="rId13"/>
+    <p:sldId id="272" r:id="rId14"/>
+    <p:sldId id="264" r:id="rId15"/>
+    <p:sldId id="273" r:id="rId16"/>
+    <p:sldId id="265" r:id="rId17"/>
+    <p:sldId id="266" r:id="rId18"/>
+    <p:sldId id="267" r:id="rId19"/>
+    <p:sldId id="268" r:id="rId20"/>
+    <p:sldId id="269" r:id="rId21"/>
   </p:sldIdLst>
   <p:sldSz cx="12192000" cy="6858000"/>
   <p:notesSz cx="6858000" cy="9144000"/>
@@ -116,6 +123,11 @@
       </a:defRPr>
     </a:lvl9pPr>
   </p:defaultTextStyle>
+  <p:extLst>
+    <p:ext uri="{EFAFB233-063F-42B5-8137-9DF3F51BA10A}">
+      <p15:sldGuideLst xmlns:p15="http://schemas.microsoft.com/office/powerpoint/2012/main"/>
+    </p:ext>
+  </p:extLst>
 </p:presentation>
 </file>
 
@@ -275,7 +287,7 @@
           <a:p>
             <a:fld id="{4EC743F4-8769-40B4-85DF-6CB8DE9F66AA}" type="datetimeFigureOut">
               <a:rPr lang="en-US" smtClean="0"/>
-              <a:t>7/2/21</a:t>
+              <a:t>7/3/2021</a:t>
             </a:fld>
             <a:endParaRPr lang="en-US"/>
           </a:p>
@@ -818,7 +830,7 @@
           <a:p>
             <a:fld id="{4EC743F4-8769-40B4-85DF-6CB8DE9F66AA}" type="datetimeFigureOut">
               <a:rPr lang="en-US" smtClean="0"/>
-              <a:t>7/2/21</a:t>
+              <a:t>7/3/2021</a:t>
             </a:fld>
             <a:endParaRPr lang="en-US"/>
           </a:p>
@@ -1026,7 +1038,7 @@
           <a:p>
             <a:fld id="{4EC743F4-8769-40B4-85DF-6CB8DE9F66AA}" type="datetimeFigureOut">
               <a:rPr lang="en-US" smtClean="0"/>
-              <a:t>7/2/21</a:t>
+              <a:t>7/3/2021</a:t>
             </a:fld>
             <a:endParaRPr lang="en-US"/>
           </a:p>
@@ -1225,7 +1237,7 @@
           <a:p>
             <a:fld id="{4EC743F4-8769-40B4-85DF-6CB8DE9F66AA}" type="datetimeFigureOut">
               <a:rPr lang="en-US" smtClean="0"/>
-              <a:t>7/2/21</a:t>
+              <a:t>7/3/2021</a:t>
             </a:fld>
             <a:endParaRPr lang="en-US"/>
           </a:p>
@@ -1508,7 +1520,7 @@
           <a:p>
             <a:fld id="{4EC743F4-8769-40B4-85DF-6CB8DE9F66AA}" type="datetimeFigureOut">
               <a:rPr lang="en-US" smtClean="0"/>
-              <a:t>7/2/21</a:t>
+              <a:t>7/3/2021</a:t>
             </a:fld>
             <a:endParaRPr lang="en-US" dirty="0"/>
           </a:p>
@@ -2459,7 +2471,7 @@
           <a:p>
             <a:fld id="{4EC743F4-8769-40B4-85DF-6CB8DE9F66AA}" type="datetimeFigureOut">
               <a:rPr lang="en-US" smtClean="0"/>
-              <a:t>7/2/21</a:t>
+              <a:t>7/3/2021</a:t>
             </a:fld>
             <a:endParaRPr lang="en-US"/>
           </a:p>
@@ -2878,7 +2890,7 @@
           <a:p>
             <a:fld id="{4EC743F4-8769-40B4-85DF-6CB8DE9F66AA}" type="datetimeFigureOut">
               <a:rPr lang="en-US" smtClean="0"/>
-              <a:t>7/2/21</a:t>
+              <a:t>7/3/2021</a:t>
             </a:fld>
             <a:endParaRPr lang="en-US"/>
           </a:p>
@@ -3019,7 +3031,7 @@
           <a:p>
             <a:fld id="{4EC743F4-8769-40B4-85DF-6CB8DE9F66AA}" type="datetimeFigureOut">
               <a:rPr lang="en-US" smtClean="0"/>
-              <a:t>7/2/21</a:t>
+              <a:t>7/3/2021</a:t>
             </a:fld>
             <a:endParaRPr lang="en-US"/>
           </a:p>
@@ -3132,7 +3144,7 @@
           <a:p>
             <a:fld id="{4EC743F4-8769-40B4-85DF-6CB8DE9F66AA}" type="datetimeFigureOut">
               <a:rPr lang="en-US" smtClean="0"/>
-              <a:t>7/2/21</a:t>
+              <a:t>7/3/2021</a:t>
             </a:fld>
             <a:endParaRPr lang="en-US"/>
           </a:p>
@@ -3449,7 +3461,7 @@
           <a:p>
             <a:fld id="{4EC743F4-8769-40B4-85DF-6CB8DE9F66AA}" type="datetimeFigureOut">
               <a:rPr lang="en-US" smtClean="0"/>
-              <a:t>7/2/21</a:t>
+              <a:t>7/3/2021</a:t>
             </a:fld>
             <a:endParaRPr lang="en-US"/>
           </a:p>
@@ -3794,7 +3806,7 @@
           <a:p>
             <a:fld id="{4EC743F4-8769-40B4-85DF-6CB8DE9F66AA}" type="datetimeFigureOut">
               <a:rPr lang="en-US" smtClean="0"/>
-              <a:t>7/2/21</a:t>
+              <a:t>7/3/2021</a:t>
             </a:fld>
             <a:endParaRPr lang="en-US"/>
           </a:p>
@@ -4089,7 +4101,7 @@
             <a:fld id="{4EC743F4-8769-40B4-85DF-6CB8DE9F66AA}" type="datetimeFigureOut">
               <a:rPr lang="en-US" smtClean="0"/>
               <a:pPr/>
-              <a:t>7/2/21</a:t>
+              <a:t>7/3/2021</a:t>
             </a:fld>
             <a:endParaRPr lang="en-US" dirty="0"/>
           </a:p>
@@ -4855,6 +4867,1108 @@
           <p:cNvPr id="2" name="Titel 1">
             <a:extLst>
               <a:ext uri="{FF2B5EF4-FFF2-40B4-BE49-F238E27FC236}">
+                <a16:creationId xmlns:a16="http://schemas.microsoft.com/office/drawing/2014/main" id="{5DE51B34-B75C-7E44-9C0F-EBFE5105E148}"/>
+              </a:ext>
+            </a:extLst>
+          </p:cNvPr>
+          <p:cNvSpPr>
+            <a:spLocks noGrp="1"/>
+          </p:cNvSpPr>
+          <p:nvPr>
+            <p:ph type="title"/>
+          </p:nvPr>
+        </p:nvSpPr>
+        <p:spPr/>
+        <p:txBody>
+          <a:bodyPr/>
+          <a:lstStyle/>
+          <a:p>
+            <a:r>
+              <a:rPr lang="de-DE" dirty="0"/>
+              <a:t>Code Auszug: Asynchroner Schutz (Semaphoren)</a:t>
+            </a:r>
+          </a:p>
+        </p:txBody>
+      </p:sp>
+      <p:pic>
+        <p:nvPicPr>
+          <p:cNvPr id="7" name="Inhaltsplatzhalter 6" descr="Ein Bild, das Text enthält.&#10;&#10;Automatisch generierte Beschreibung">
+            <a:extLst>
+              <a:ext uri="{FF2B5EF4-FFF2-40B4-BE49-F238E27FC236}">
+                <a16:creationId xmlns:a16="http://schemas.microsoft.com/office/drawing/2014/main" id="{8B03E9B0-CB1D-FB4D-B201-5E54BB311B9B}"/>
+              </a:ext>
+            </a:extLst>
+          </p:cNvPr>
+          <p:cNvPicPr>
+            <a:picLocks noGrp="1" noChangeAspect="1"/>
+          </p:cNvPicPr>
+          <p:nvPr>
+            <p:ph idx="1"/>
+          </p:nvPr>
+        </p:nvPicPr>
+        <p:blipFill>
+          <a:blip r:embed="rId2"/>
+          <a:stretch>
+            <a:fillRect/>
+          </a:stretch>
+        </p:blipFill>
+        <p:spPr>
+          <a:xfrm>
+            <a:off x="1911350" y="3178969"/>
+            <a:ext cx="8369300" cy="1054100"/>
+          </a:xfrm>
+        </p:spPr>
+      </p:pic>
+    </p:spTree>
+    <p:extLst>
+      <p:ext uri="{BB962C8B-B14F-4D97-AF65-F5344CB8AC3E}">
+        <p14:creationId xmlns:p14="http://schemas.microsoft.com/office/powerpoint/2010/main" val="2104931142"/>
+      </p:ext>
+    </p:extLst>
+  </p:cSld>
+  <p:clrMapOvr>
+    <a:masterClrMapping/>
+  </p:clrMapOvr>
+</p:sld>
+</file>
+
+<file path=ppt/slides/slide11.xml><?xml version="1.0" encoding="utf-8"?>
+<p:sld xmlns:a="http://schemas.openxmlformats.org/drawingml/2006/main" xmlns:r="http://schemas.openxmlformats.org/officeDocument/2006/relationships" xmlns:p="http://schemas.openxmlformats.org/presentationml/2006/main">
+  <p:cSld>
+    <p:spTree>
+      <p:nvGrpSpPr>
+        <p:cNvPr id="1" name=""/>
+        <p:cNvGrpSpPr/>
+        <p:nvPr/>
+      </p:nvGrpSpPr>
+      <p:grpSpPr>
+        <a:xfrm>
+          <a:off x="0" y="0"/>
+          <a:ext cx="0" cy="0"/>
+          <a:chOff x="0" y="0"/>
+          <a:chExt cx="0" cy="0"/>
+        </a:xfrm>
+      </p:grpSpPr>
+      <p:sp>
+        <p:nvSpPr>
+          <p:cNvPr id="2" name="Titel 1">
+            <a:extLst>
+              <a:ext uri="{FF2B5EF4-FFF2-40B4-BE49-F238E27FC236}">
+                <a16:creationId xmlns:a16="http://schemas.microsoft.com/office/drawing/2014/main" id="{93C1CD93-B848-084F-BBA3-68B8F892F035}"/>
+              </a:ext>
+            </a:extLst>
+          </p:cNvPr>
+          <p:cNvSpPr>
+            <a:spLocks noGrp="1"/>
+          </p:cNvSpPr>
+          <p:nvPr>
+            <p:ph type="title"/>
+          </p:nvPr>
+        </p:nvSpPr>
+        <p:spPr/>
+        <p:txBody>
+          <a:bodyPr/>
+          <a:lstStyle/>
+          <a:p>
+            <a:r>
+              <a:rPr lang="de-DE" dirty="0"/>
+              <a:t>Code Auszug: PUT Befehl</a:t>
+            </a:r>
+          </a:p>
+        </p:txBody>
+      </p:sp>
+      <p:pic>
+        <p:nvPicPr>
+          <p:cNvPr id="5" name="Inhaltsplatzhalter 4" descr="Ein Bild, das Text enthält.&#10;&#10;Automatisch generierte Beschreibung">
+            <a:extLst>
+              <a:ext uri="{FF2B5EF4-FFF2-40B4-BE49-F238E27FC236}">
+                <a16:creationId xmlns:a16="http://schemas.microsoft.com/office/drawing/2014/main" id="{B01FD024-579F-E94E-A141-2A94C4012D08}"/>
+              </a:ext>
+            </a:extLst>
+          </p:cNvPr>
+          <p:cNvPicPr>
+            <a:picLocks noGrp="1" noChangeAspect="1"/>
+          </p:cNvPicPr>
+          <p:nvPr>
+            <p:ph idx="1"/>
+          </p:nvPr>
+        </p:nvPicPr>
+        <p:blipFill>
+          <a:blip r:embed="rId2"/>
+          <a:stretch>
+            <a:fillRect/>
+          </a:stretch>
+        </p:blipFill>
+        <p:spPr>
+          <a:xfrm>
+            <a:off x="1686488" y="1685925"/>
+            <a:ext cx="8819025" cy="4040188"/>
+          </a:xfrm>
+        </p:spPr>
+      </p:pic>
+      <p:sp>
+        <p:nvSpPr>
+          <p:cNvPr id="7" name="Rechteck 6">
+            <a:extLst>
+              <a:ext uri="{FF2B5EF4-FFF2-40B4-BE49-F238E27FC236}">
+                <a16:creationId xmlns:a16="http://schemas.microsoft.com/office/drawing/2014/main" id="{60A32F69-9442-4BFD-847C-0E51156893C9}"/>
+              </a:ext>
+            </a:extLst>
+          </p:cNvPr>
+          <p:cNvSpPr/>
+          <p:nvPr/>
+        </p:nvSpPr>
+        <p:spPr>
+          <a:xfrm>
+            <a:off x="2013358" y="2248250"/>
+            <a:ext cx="7961152" cy="243280"/>
+          </a:xfrm>
+          <a:prstGeom prst="rect">
+            <a:avLst/>
+          </a:prstGeom>
+          <a:noFill/>
+          <a:ln>
+            <a:solidFill>
+              <a:srgbClr val="FF0000"/>
+            </a:solidFill>
+          </a:ln>
+        </p:spPr>
+        <p:style>
+          <a:lnRef idx="2">
+            <a:schemeClr val="accent1">
+              <a:shade val="50000"/>
+            </a:schemeClr>
+          </a:lnRef>
+          <a:fillRef idx="1">
+            <a:schemeClr val="accent1"/>
+          </a:fillRef>
+          <a:effectRef idx="0">
+            <a:schemeClr val="accent1"/>
+          </a:effectRef>
+          <a:fontRef idx="minor">
+            <a:schemeClr val="lt1"/>
+          </a:fontRef>
+        </p:style>
+        <p:txBody>
+          <a:bodyPr rtlCol="0" anchor="ctr"/>
+          <a:lstStyle/>
+          <a:p>
+            <a:pPr algn="ctr"/>
+            <a:endParaRPr lang="de-DE"/>
+          </a:p>
+        </p:txBody>
+      </p:sp>
+    </p:spTree>
+    <p:extLst>
+      <p:ext uri="{BB962C8B-B14F-4D97-AF65-F5344CB8AC3E}">
+        <p14:creationId xmlns:p14="http://schemas.microsoft.com/office/powerpoint/2010/main" val="603552313"/>
+      </p:ext>
+    </p:extLst>
+  </p:cSld>
+  <p:clrMapOvr>
+    <a:masterClrMapping/>
+  </p:clrMapOvr>
+</p:sld>
+</file>
+
+<file path=ppt/slides/slide12.xml><?xml version="1.0" encoding="utf-8"?>
+<p:sld xmlns:a="http://schemas.openxmlformats.org/drawingml/2006/main" xmlns:r="http://schemas.openxmlformats.org/officeDocument/2006/relationships" xmlns:p="http://schemas.openxmlformats.org/presentationml/2006/main">
+  <p:cSld>
+    <p:spTree>
+      <p:nvGrpSpPr>
+        <p:cNvPr id="1" name=""/>
+        <p:cNvGrpSpPr/>
+        <p:nvPr/>
+      </p:nvGrpSpPr>
+      <p:grpSpPr>
+        <a:xfrm>
+          <a:off x="0" y="0"/>
+          <a:ext cx="0" cy="0"/>
+          <a:chOff x="0" y="0"/>
+          <a:chExt cx="0" cy="0"/>
+        </a:xfrm>
+      </p:grpSpPr>
+      <p:sp>
+        <p:nvSpPr>
+          <p:cNvPr id="2" name="Titel 1">
+            <a:extLst>
+              <a:ext uri="{FF2B5EF4-FFF2-40B4-BE49-F238E27FC236}">
+                <a16:creationId xmlns:a16="http://schemas.microsoft.com/office/drawing/2014/main" id="{93C1CD93-B848-084F-BBA3-68B8F892F035}"/>
+              </a:ext>
+            </a:extLst>
+          </p:cNvPr>
+          <p:cNvSpPr>
+            <a:spLocks noGrp="1"/>
+          </p:cNvSpPr>
+          <p:nvPr>
+            <p:ph type="title"/>
+          </p:nvPr>
+        </p:nvSpPr>
+        <p:spPr/>
+        <p:txBody>
+          <a:bodyPr/>
+          <a:lstStyle/>
+          <a:p>
+            <a:r>
+              <a:rPr lang="de-DE" dirty="0"/>
+              <a:t>Code Auszug: PUT Befehl</a:t>
+            </a:r>
+          </a:p>
+        </p:txBody>
+      </p:sp>
+      <p:pic>
+        <p:nvPicPr>
+          <p:cNvPr id="5" name="Inhaltsplatzhalter 4" descr="Ein Bild, das Text enthält.&#10;&#10;Automatisch generierte Beschreibung">
+            <a:extLst>
+              <a:ext uri="{FF2B5EF4-FFF2-40B4-BE49-F238E27FC236}">
+                <a16:creationId xmlns:a16="http://schemas.microsoft.com/office/drawing/2014/main" id="{B01FD024-579F-E94E-A141-2A94C4012D08}"/>
+              </a:ext>
+            </a:extLst>
+          </p:cNvPr>
+          <p:cNvPicPr>
+            <a:picLocks noGrp="1" noChangeAspect="1"/>
+          </p:cNvPicPr>
+          <p:nvPr>
+            <p:ph idx="1"/>
+          </p:nvPr>
+        </p:nvPicPr>
+        <p:blipFill>
+          <a:blip r:embed="rId2"/>
+          <a:stretch>
+            <a:fillRect/>
+          </a:stretch>
+        </p:blipFill>
+        <p:spPr>
+          <a:xfrm>
+            <a:off x="1686488" y="1685925"/>
+            <a:ext cx="8819025" cy="4040188"/>
+          </a:xfrm>
+        </p:spPr>
+      </p:pic>
+      <p:sp>
+        <p:nvSpPr>
+          <p:cNvPr id="4" name="Rechteck 3">
+            <a:extLst>
+              <a:ext uri="{FF2B5EF4-FFF2-40B4-BE49-F238E27FC236}">
+                <a16:creationId xmlns:a16="http://schemas.microsoft.com/office/drawing/2014/main" id="{70CE85B4-8326-4E96-85CF-3AFC965BDFF2}"/>
+              </a:ext>
+            </a:extLst>
+          </p:cNvPr>
+          <p:cNvSpPr/>
+          <p:nvPr/>
+        </p:nvSpPr>
+        <p:spPr>
+          <a:xfrm>
+            <a:off x="2013358" y="2709643"/>
+            <a:ext cx="7961152" cy="805343"/>
+          </a:xfrm>
+          <a:prstGeom prst="rect">
+            <a:avLst/>
+          </a:prstGeom>
+          <a:noFill/>
+          <a:ln>
+            <a:solidFill>
+              <a:srgbClr val="FF0000"/>
+            </a:solidFill>
+          </a:ln>
+        </p:spPr>
+        <p:style>
+          <a:lnRef idx="2">
+            <a:schemeClr val="accent1">
+              <a:shade val="50000"/>
+            </a:schemeClr>
+          </a:lnRef>
+          <a:fillRef idx="1">
+            <a:schemeClr val="accent1"/>
+          </a:fillRef>
+          <a:effectRef idx="0">
+            <a:schemeClr val="accent1"/>
+          </a:effectRef>
+          <a:fontRef idx="minor">
+            <a:schemeClr val="lt1"/>
+          </a:fontRef>
+        </p:style>
+        <p:txBody>
+          <a:bodyPr rtlCol="0" anchor="ctr"/>
+          <a:lstStyle/>
+          <a:p>
+            <a:pPr algn="ctr"/>
+            <a:endParaRPr lang="de-DE"/>
+          </a:p>
+        </p:txBody>
+      </p:sp>
+    </p:spTree>
+    <p:extLst>
+      <p:ext uri="{BB962C8B-B14F-4D97-AF65-F5344CB8AC3E}">
+        <p14:creationId xmlns:p14="http://schemas.microsoft.com/office/powerpoint/2010/main" val="1012273375"/>
+      </p:ext>
+    </p:extLst>
+  </p:cSld>
+  <p:clrMapOvr>
+    <a:masterClrMapping/>
+  </p:clrMapOvr>
+</p:sld>
+</file>
+
+<file path=ppt/slides/slide13.xml><?xml version="1.0" encoding="utf-8"?>
+<p:sld xmlns:a="http://schemas.openxmlformats.org/drawingml/2006/main" xmlns:r="http://schemas.openxmlformats.org/officeDocument/2006/relationships" xmlns:p="http://schemas.openxmlformats.org/presentationml/2006/main">
+  <p:cSld>
+    <p:spTree>
+      <p:nvGrpSpPr>
+        <p:cNvPr id="1" name=""/>
+        <p:cNvGrpSpPr/>
+        <p:nvPr/>
+      </p:nvGrpSpPr>
+      <p:grpSpPr>
+        <a:xfrm>
+          <a:off x="0" y="0"/>
+          <a:ext cx="0" cy="0"/>
+          <a:chOff x="0" y="0"/>
+          <a:chExt cx="0" cy="0"/>
+        </a:xfrm>
+      </p:grpSpPr>
+      <p:sp>
+        <p:nvSpPr>
+          <p:cNvPr id="2" name="Titel 1">
+            <a:extLst>
+              <a:ext uri="{FF2B5EF4-FFF2-40B4-BE49-F238E27FC236}">
+                <a16:creationId xmlns:a16="http://schemas.microsoft.com/office/drawing/2014/main" id="{93C1CD93-B848-084F-BBA3-68B8F892F035}"/>
+              </a:ext>
+            </a:extLst>
+          </p:cNvPr>
+          <p:cNvSpPr>
+            <a:spLocks noGrp="1"/>
+          </p:cNvSpPr>
+          <p:nvPr>
+            <p:ph type="title"/>
+          </p:nvPr>
+        </p:nvSpPr>
+        <p:spPr/>
+        <p:txBody>
+          <a:bodyPr/>
+          <a:lstStyle/>
+          <a:p>
+            <a:r>
+              <a:rPr lang="de-DE" dirty="0"/>
+              <a:t>Code Auszug: PUT Befehl</a:t>
+            </a:r>
+          </a:p>
+        </p:txBody>
+      </p:sp>
+      <p:pic>
+        <p:nvPicPr>
+          <p:cNvPr id="5" name="Inhaltsplatzhalter 4" descr="Ein Bild, das Text enthält.&#10;&#10;Automatisch generierte Beschreibung">
+            <a:extLst>
+              <a:ext uri="{FF2B5EF4-FFF2-40B4-BE49-F238E27FC236}">
+                <a16:creationId xmlns:a16="http://schemas.microsoft.com/office/drawing/2014/main" id="{B01FD024-579F-E94E-A141-2A94C4012D08}"/>
+              </a:ext>
+            </a:extLst>
+          </p:cNvPr>
+          <p:cNvPicPr>
+            <a:picLocks noGrp="1" noChangeAspect="1"/>
+          </p:cNvPicPr>
+          <p:nvPr>
+            <p:ph idx="1"/>
+          </p:nvPr>
+        </p:nvPicPr>
+        <p:blipFill>
+          <a:blip r:embed="rId2"/>
+          <a:stretch>
+            <a:fillRect/>
+          </a:stretch>
+        </p:blipFill>
+        <p:spPr>
+          <a:xfrm>
+            <a:off x="1694877" y="1685925"/>
+            <a:ext cx="8819025" cy="4040188"/>
+          </a:xfrm>
+        </p:spPr>
+      </p:pic>
+      <p:sp>
+        <p:nvSpPr>
+          <p:cNvPr id="4" name="Rechteck 3">
+            <a:extLst>
+              <a:ext uri="{FF2B5EF4-FFF2-40B4-BE49-F238E27FC236}">
+                <a16:creationId xmlns:a16="http://schemas.microsoft.com/office/drawing/2014/main" id="{70CE85B4-8326-4E96-85CF-3AFC965BDFF2}"/>
+              </a:ext>
+            </a:extLst>
+          </p:cNvPr>
+          <p:cNvSpPr/>
+          <p:nvPr/>
+        </p:nvSpPr>
+        <p:spPr>
+          <a:xfrm>
+            <a:off x="2013358" y="3706019"/>
+            <a:ext cx="7961152" cy="1277042"/>
+          </a:xfrm>
+          <a:prstGeom prst="rect">
+            <a:avLst/>
+          </a:prstGeom>
+          <a:noFill/>
+          <a:ln>
+            <a:solidFill>
+              <a:srgbClr val="FF0000"/>
+            </a:solidFill>
+          </a:ln>
+        </p:spPr>
+        <p:style>
+          <a:lnRef idx="2">
+            <a:schemeClr val="accent1">
+              <a:shade val="50000"/>
+            </a:schemeClr>
+          </a:lnRef>
+          <a:fillRef idx="1">
+            <a:schemeClr val="accent1"/>
+          </a:fillRef>
+          <a:effectRef idx="0">
+            <a:schemeClr val="accent1"/>
+          </a:effectRef>
+          <a:fontRef idx="minor">
+            <a:schemeClr val="lt1"/>
+          </a:fontRef>
+        </p:style>
+        <p:txBody>
+          <a:bodyPr rtlCol="0" anchor="ctr"/>
+          <a:lstStyle/>
+          <a:p>
+            <a:pPr algn="ctr"/>
+            <a:endParaRPr lang="de-DE"/>
+          </a:p>
+        </p:txBody>
+      </p:sp>
+    </p:spTree>
+    <p:extLst>
+      <p:ext uri="{BB962C8B-B14F-4D97-AF65-F5344CB8AC3E}">
+        <p14:creationId xmlns:p14="http://schemas.microsoft.com/office/powerpoint/2010/main" val="3061225500"/>
+      </p:ext>
+    </p:extLst>
+  </p:cSld>
+  <p:clrMapOvr>
+    <a:masterClrMapping/>
+  </p:clrMapOvr>
+</p:sld>
+</file>
+
+<file path=ppt/slides/slide14.xml><?xml version="1.0" encoding="utf-8"?>
+<p:sld xmlns:a="http://schemas.openxmlformats.org/drawingml/2006/main" xmlns:r="http://schemas.openxmlformats.org/officeDocument/2006/relationships" xmlns:p="http://schemas.openxmlformats.org/presentationml/2006/main">
+  <p:cSld>
+    <p:spTree>
+      <p:nvGrpSpPr>
+        <p:cNvPr id="1" name=""/>
+        <p:cNvGrpSpPr/>
+        <p:nvPr/>
+      </p:nvGrpSpPr>
+      <p:grpSpPr>
+        <a:xfrm>
+          <a:off x="0" y="0"/>
+          <a:ext cx="0" cy="0"/>
+          <a:chOff x="0" y="0"/>
+          <a:chExt cx="0" cy="0"/>
+        </a:xfrm>
+      </p:grpSpPr>
+      <p:pic>
+        <p:nvPicPr>
+          <p:cNvPr id="5" name="Inhaltsplatzhalter 4" descr="Ein Bild, das Text enthält.&#10;&#10;Automatisch generierte Beschreibung">
+            <a:extLst>
+              <a:ext uri="{FF2B5EF4-FFF2-40B4-BE49-F238E27FC236}">
+                <a16:creationId xmlns:a16="http://schemas.microsoft.com/office/drawing/2014/main" id="{176625FD-A675-FE4A-9838-8D2CE43EB3B0}"/>
+              </a:ext>
+            </a:extLst>
+          </p:cNvPr>
+          <p:cNvPicPr>
+            <a:picLocks noGrp="1" noChangeAspect="1"/>
+          </p:cNvPicPr>
+          <p:nvPr>
+            <p:ph idx="1"/>
+          </p:nvPr>
+        </p:nvPicPr>
+        <p:blipFill>
+          <a:blip r:embed="rId2"/>
+          <a:stretch>
+            <a:fillRect/>
+          </a:stretch>
+        </p:blipFill>
+        <p:spPr>
+          <a:xfrm>
+            <a:off x="2379790" y="1685925"/>
+            <a:ext cx="7432421" cy="4040188"/>
+          </a:xfrm>
+        </p:spPr>
+      </p:pic>
+      <p:sp>
+        <p:nvSpPr>
+          <p:cNvPr id="2" name="Titel 1">
+            <a:extLst>
+              <a:ext uri="{FF2B5EF4-FFF2-40B4-BE49-F238E27FC236}">
+                <a16:creationId xmlns:a16="http://schemas.microsoft.com/office/drawing/2014/main" id="{5AD4CF47-00CA-9445-818B-86A9FEE94943}"/>
+              </a:ext>
+            </a:extLst>
+          </p:cNvPr>
+          <p:cNvSpPr>
+            <a:spLocks noGrp="1"/>
+          </p:cNvSpPr>
+          <p:nvPr>
+            <p:ph type="title"/>
+          </p:nvPr>
+        </p:nvSpPr>
+        <p:spPr/>
+        <p:txBody>
+          <a:bodyPr/>
+          <a:lstStyle/>
+          <a:p>
+            <a:r>
+              <a:rPr lang="de-DE" dirty="0"/>
+              <a:t>Code Auszug: GET Befehl</a:t>
+            </a:r>
+          </a:p>
+        </p:txBody>
+      </p:sp>
+      <p:sp>
+        <p:nvSpPr>
+          <p:cNvPr id="4" name="Rechteck 3">
+            <a:extLst>
+              <a:ext uri="{FF2B5EF4-FFF2-40B4-BE49-F238E27FC236}">
+                <a16:creationId xmlns:a16="http://schemas.microsoft.com/office/drawing/2014/main" id="{44A91D52-251F-446E-B340-685C4FB6FDB7}"/>
+              </a:ext>
+            </a:extLst>
+          </p:cNvPr>
+          <p:cNvSpPr/>
+          <p:nvPr/>
+        </p:nvSpPr>
+        <p:spPr>
+          <a:xfrm>
+            <a:off x="2608976" y="2869035"/>
+            <a:ext cx="6962863" cy="788565"/>
+          </a:xfrm>
+          <a:prstGeom prst="rect">
+            <a:avLst/>
+          </a:prstGeom>
+          <a:noFill/>
+          <a:ln>
+            <a:solidFill>
+              <a:srgbClr val="FF0000"/>
+            </a:solidFill>
+          </a:ln>
+        </p:spPr>
+        <p:style>
+          <a:lnRef idx="2">
+            <a:schemeClr val="accent1">
+              <a:shade val="50000"/>
+            </a:schemeClr>
+          </a:lnRef>
+          <a:fillRef idx="1">
+            <a:schemeClr val="accent1"/>
+          </a:fillRef>
+          <a:effectRef idx="0">
+            <a:schemeClr val="accent1"/>
+          </a:effectRef>
+          <a:fontRef idx="minor">
+            <a:schemeClr val="lt1"/>
+          </a:fontRef>
+        </p:style>
+        <p:txBody>
+          <a:bodyPr rtlCol="0" anchor="ctr"/>
+          <a:lstStyle/>
+          <a:p>
+            <a:pPr algn="ctr"/>
+            <a:endParaRPr lang="de-DE"/>
+          </a:p>
+        </p:txBody>
+      </p:sp>
+    </p:spTree>
+    <p:extLst>
+      <p:ext uri="{BB962C8B-B14F-4D97-AF65-F5344CB8AC3E}">
+        <p14:creationId xmlns:p14="http://schemas.microsoft.com/office/powerpoint/2010/main" val="2517605581"/>
+      </p:ext>
+    </p:extLst>
+  </p:cSld>
+  <p:clrMapOvr>
+    <a:masterClrMapping/>
+  </p:clrMapOvr>
+</p:sld>
+</file>
+
+<file path=ppt/slides/slide15.xml><?xml version="1.0" encoding="utf-8"?>
+<p:sld xmlns:a="http://schemas.openxmlformats.org/drawingml/2006/main" xmlns:r="http://schemas.openxmlformats.org/officeDocument/2006/relationships" xmlns:p="http://schemas.openxmlformats.org/presentationml/2006/main">
+  <p:cSld>
+    <p:spTree>
+      <p:nvGrpSpPr>
+        <p:cNvPr id="1" name=""/>
+        <p:cNvGrpSpPr/>
+        <p:nvPr/>
+      </p:nvGrpSpPr>
+      <p:grpSpPr>
+        <a:xfrm>
+          <a:off x="0" y="0"/>
+          <a:ext cx="0" cy="0"/>
+          <a:chOff x="0" y="0"/>
+          <a:chExt cx="0" cy="0"/>
+        </a:xfrm>
+      </p:grpSpPr>
+      <p:pic>
+        <p:nvPicPr>
+          <p:cNvPr id="5" name="Inhaltsplatzhalter 4" descr="Ein Bild, das Text enthält.&#10;&#10;Automatisch generierte Beschreibung">
+            <a:extLst>
+              <a:ext uri="{FF2B5EF4-FFF2-40B4-BE49-F238E27FC236}">
+                <a16:creationId xmlns:a16="http://schemas.microsoft.com/office/drawing/2014/main" id="{176625FD-A675-FE4A-9838-8D2CE43EB3B0}"/>
+              </a:ext>
+            </a:extLst>
+          </p:cNvPr>
+          <p:cNvPicPr>
+            <a:picLocks noGrp="1" noChangeAspect="1"/>
+          </p:cNvPicPr>
+          <p:nvPr>
+            <p:ph idx="1"/>
+          </p:nvPr>
+        </p:nvPicPr>
+        <p:blipFill>
+          <a:blip r:embed="rId2"/>
+          <a:stretch>
+            <a:fillRect/>
+          </a:stretch>
+        </p:blipFill>
+        <p:spPr>
+          <a:xfrm>
+            <a:off x="2379790" y="1685925"/>
+            <a:ext cx="7432421" cy="4040188"/>
+          </a:xfrm>
+        </p:spPr>
+      </p:pic>
+      <p:sp>
+        <p:nvSpPr>
+          <p:cNvPr id="2" name="Titel 1">
+            <a:extLst>
+              <a:ext uri="{FF2B5EF4-FFF2-40B4-BE49-F238E27FC236}">
+                <a16:creationId xmlns:a16="http://schemas.microsoft.com/office/drawing/2014/main" id="{5AD4CF47-00CA-9445-818B-86A9FEE94943}"/>
+              </a:ext>
+            </a:extLst>
+          </p:cNvPr>
+          <p:cNvSpPr>
+            <a:spLocks noGrp="1"/>
+          </p:cNvSpPr>
+          <p:nvPr>
+            <p:ph type="title"/>
+          </p:nvPr>
+        </p:nvSpPr>
+        <p:spPr/>
+        <p:txBody>
+          <a:bodyPr/>
+          <a:lstStyle/>
+          <a:p>
+            <a:r>
+              <a:rPr lang="de-DE" dirty="0"/>
+              <a:t>Code Auszug: GET Befehl</a:t>
+            </a:r>
+          </a:p>
+        </p:txBody>
+      </p:sp>
+      <p:sp>
+        <p:nvSpPr>
+          <p:cNvPr id="4" name="Rechteck 3">
+            <a:extLst>
+              <a:ext uri="{FF2B5EF4-FFF2-40B4-BE49-F238E27FC236}">
+                <a16:creationId xmlns:a16="http://schemas.microsoft.com/office/drawing/2014/main" id="{44A91D52-251F-446E-B340-685C4FB6FDB7}"/>
+              </a:ext>
+            </a:extLst>
+          </p:cNvPr>
+          <p:cNvSpPr/>
+          <p:nvPr/>
+        </p:nvSpPr>
+        <p:spPr>
+          <a:xfrm>
+            <a:off x="2614568" y="3706019"/>
+            <a:ext cx="6962863" cy="1466056"/>
+          </a:xfrm>
+          <a:prstGeom prst="rect">
+            <a:avLst/>
+          </a:prstGeom>
+          <a:noFill/>
+          <a:ln>
+            <a:solidFill>
+              <a:srgbClr val="FF0000"/>
+            </a:solidFill>
+          </a:ln>
+        </p:spPr>
+        <p:style>
+          <a:lnRef idx="2">
+            <a:schemeClr val="accent1">
+              <a:shade val="50000"/>
+            </a:schemeClr>
+          </a:lnRef>
+          <a:fillRef idx="1">
+            <a:schemeClr val="accent1"/>
+          </a:fillRef>
+          <a:effectRef idx="0">
+            <a:schemeClr val="accent1"/>
+          </a:effectRef>
+          <a:fontRef idx="minor">
+            <a:schemeClr val="lt1"/>
+          </a:fontRef>
+        </p:style>
+        <p:txBody>
+          <a:bodyPr rtlCol="0" anchor="ctr"/>
+          <a:lstStyle/>
+          <a:p>
+            <a:pPr algn="ctr"/>
+            <a:endParaRPr lang="de-DE"/>
+          </a:p>
+        </p:txBody>
+      </p:sp>
+    </p:spTree>
+    <p:extLst>
+      <p:ext uri="{BB962C8B-B14F-4D97-AF65-F5344CB8AC3E}">
+        <p14:creationId xmlns:p14="http://schemas.microsoft.com/office/powerpoint/2010/main" val="1188819480"/>
+      </p:ext>
+    </p:extLst>
+  </p:cSld>
+  <p:clrMapOvr>
+    <a:masterClrMapping/>
+  </p:clrMapOvr>
+</p:sld>
+</file>
+
+<file path=ppt/slides/slide16.xml><?xml version="1.0" encoding="utf-8"?>
+<p:sld xmlns:a="http://schemas.openxmlformats.org/drawingml/2006/main" xmlns:r="http://schemas.openxmlformats.org/officeDocument/2006/relationships" xmlns:p="http://schemas.openxmlformats.org/presentationml/2006/main">
+  <p:cSld>
+    <p:bg>
+      <p:bgPr>
+        <a:solidFill>
+          <a:schemeClr val="bg2"/>
+        </a:solidFill>
+        <a:effectLst/>
+      </p:bgPr>
+    </p:bg>
+    <p:spTree>
+      <p:nvGrpSpPr>
+        <p:cNvPr id="1" name=""/>
+        <p:cNvGrpSpPr/>
+        <p:nvPr/>
+      </p:nvGrpSpPr>
+      <p:grpSpPr>
+        <a:xfrm>
+          <a:off x="0" y="0"/>
+          <a:ext cx="0" cy="0"/>
+          <a:chOff x="0" y="0"/>
+          <a:chExt cx="0" cy="0"/>
+        </a:xfrm>
+      </p:grpSpPr>
+      <p:sp useBgFill="1">
+        <p:nvSpPr>
+          <p:cNvPr id="12" name="Rectangle 11">
+            <a:extLst>
+              <a:ext uri="{FF2B5EF4-FFF2-40B4-BE49-F238E27FC236}">
+                <a16:creationId xmlns:a16="http://schemas.microsoft.com/office/drawing/2014/main" id="{EEE96A74-B62B-4642-AB22-7776A5F48CE7}"/>
+              </a:ext>
+              <a:ext uri="{C183D7F6-B498-43B3-948B-1728B52AA6E4}">
+                <adec:decorative xmlns:adec="http://schemas.microsoft.com/office/drawing/2017/decorative" val="1"/>
+              </a:ext>
+            </a:extLst>
+          </p:cNvPr>
+          <p:cNvSpPr>
+            <a:spLocks noGrp="1" noRot="1" noChangeAspect="1" noMove="1" noResize="1" noEditPoints="1" noAdjustHandles="1" noChangeArrowheads="1" noChangeShapeType="1" noTextEdit="1"/>
+          </p:cNvSpPr>
+          <p:nvPr>
+            <p:extLst>
+              <p:ext uri="{386F3935-93C4-4BCD-93E2-E3B085C9AB24}">
+                <p16:designElem xmlns:p16="http://schemas.microsoft.com/office/powerpoint/2015/main" val="1"/>
+              </p:ext>
+            </p:extLst>
+          </p:nvPr>
+        </p:nvSpPr>
+        <p:spPr>
+          <a:xfrm>
+            <a:off x="0" y="0"/>
+            <a:ext cx="12192000" cy="6858000"/>
+          </a:xfrm>
+          <a:prstGeom prst="rect">
+            <a:avLst/>
+          </a:prstGeom>
+          <a:ln w="12700" cap="flat" cmpd="sng" algn="ctr">
+            <a:noFill/>
+            <a:prstDash val="solid"/>
+            <a:miter lim="800000"/>
+          </a:ln>
+          <a:effectLst/>
+          <a:extLst>
+            <a:ext uri="{91240B29-F687-4F45-9708-019B960494DF}">
+              <a14:hiddenLine xmlns:a14="http://schemas.microsoft.com/office/drawing/2010/main" w="12700" cap="flat" cmpd="sng" algn="ctr">
+                <a:solidFill>
+                  <a:schemeClr val="accent1">
+                    <a:shade val="50000"/>
+                  </a:schemeClr>
+                </a:solidFill>
+                <a:prstDash val="solid"/>
+                <a:miter lim="800000"/>
+              </a14:hiddenLine>
+            </a:ext>
+          </a:extLst>
+        </p:spPr>
+        <p:style>
+          <a:lnRef idx="2">
+            <a:schemeClr val="accent1">
+              <a:shade val="50000"/>
+            </a:schemeClr>
+          </a:lnRef>
+          <a:fillRef idx="1">
+            <a:schemeClr val="accent1"/>
+          </a:fillRef>
+          <a:effectRef idx="0">
+            <a:schemeClr val="accent1"/>
+          </a:effectRef>
+          <a:fontRef idx="minor">
+            <a:schemeClr val="lt1"/>
+          </a:fontRef>
+        </p:style>
+        <p:txBody>
+          <a:bodyPr rtlCol="0" anchor="ctr"/>
+          <a:lstStyle/>
+          <a:p>
+            <a:pPr algn="ctr"/>
+            <a:endParaRPr lang="en-US"/>
+          </a:p>
+        </p:txBody>
+      </p:sp>
+      <p:sp>
+        <p:nvSpPr>
+          <p:cNvPr id="2" name="Titel 1">
+            <a:extLst>
+              <a:ext uri="{FF2B5EF4-FFF2-40B4-BE49-F238E27FC236}">
+                <a16:creationId xmlns:a16="http://schemas.microsoft.com/office/drawing/2014/main" id="{384B6360-9277-3447-9068-3F57EFB83E5E}"/>
+              </a:ext>
+            </a:extLst>
+          </p:cNvPr>
+          <p:cNvSpPr>
+            <a:spLocks noGrp="1"/>
+          </p:cNvSpPr>
+          <p:nvPr>
+            <p:ph type="title"/>
+          </p:nvPr>
+        </p:nvSpPr>
+        <p:spPr>
+          <a:xfrm>
+            <a:off x="990000" y="540000"/>
+            <a:ext cx="3528000" cy="2303213"/>
+          </a:xfrm>
+        </p:spPr>
+        <p:txBody>
+          <a:bodyPr anchor="ctr">
+            <a:normAutofit/>
+          </a:bodyPr>
+          <a:lstStyle/>
+          <a:p>
+            <a:pPr algn="ctr"/>
+            <a:r>
+              <a:rPr lang="de-DE" dirty="0"/>
+              <a:t>Code Auszug: DEL Befehl</a:t>
+            </a:r>
+            <a:endParaRPr lang="de-DE"/>
+          </a:p>
+        </p:txBody>
+      </p:sp>
+      <p:cxnSp>
+        <p:nvCxnSpPr>
+          <p:cNvPr id="14" name="Straight Connector 13">
+            <a:extLst>
+              <a:ext uri="{FF2B5EF4-FFF2-40B4-BE49-F238E27FC236}">
+                <a16:creationId xmlns:a16="http://schemas.microsoft.com/office/drawing/2014/main" id="{3A513CAD-9784-4D35-BAF9-1F7DDD697BDB}"/>
+              </a:ext>
+              <a:ext uri="{C183D7F6-B498-43B3-948B-1728B52AA6E4}">
+                <adec:decorative xmlns:adec="http://schemas.microsoft.com/office/drawing/2017/decorative" val="1"/>
+              </a:ext>
+            </a:extLst>
+          </p:cNvPr>
+          <p:cNvCxnSpPr>
+            <a:cxnSpLocks noGrp="1" noRot="1" noChangeAspect="1" noMove="1" noResize="1" noEditPoints="1" noAdjustHandles="1" noChangeArrowheads="1" noChangeShapeType="1"/>
+          </p:cNvCxnSpPr>
+          <p:nvPr>
+            <p:extLst>
+              <p:ext uri="{386F3935-93C4-4BCD-93E2-E3B085C9AB24}">
+                <p16:designElem xmlns:p16="http://schemas.microsoft.com/office/powerpoint/2015/main" val="1"/>
+              </p:ext>
+            </p:extLst>
+          </p:nvPr>
+        </p:nvCxnSpPr>
+        <p:spPr>
+          <a:xfrm rot="5400000">
+            <a:off x="4714750" y="1691606"/>
+            <a:ext cx="540000" cy="0"/>
+          </a:xfrm>
+          <a:prstGeom prst="line">
+            <a:avLst/>
+          </a:prstGeom>
+          <a:ln w="12700">
+            <a:solidFill>
+              <a:srgbClr val="FFFFFF"/>
+            </a:solidFill>
+          </a:ln>
+        </p:spPr>
+        <p:style>
+          <a:lnRef idx="1">
+            <a:schemeClr val="accent1"/>
+          </a:lnRef>
+          <a:fillRef idx="0">
+            <a:schemeClr val="accent1"/>
+          </a:fillRef>
+          <a:effectRef idx="0">
+            <a:schemeClr val="accent1"/>
+          </a:effectRef>
+          <a:fontRef idx="minor">
+            <a:schemeClr val="tx1"/>
+          </a:fontRef>
+        </p:style>
+      </p:cxnSp>
+      <p:sp>
+        <p:nvSpPr>
+          <p:cNvPr id="9" name="Content Placeholder 8">
+            <a:extLst>
+              <a:ext uri="{FF2B5EF4-FFF2-40B4-BE49-F238E27FC236}">
+                <a16:creationId xmlns:a16="http://schemas.microsoft.com/office/drawing/2014/main" id="{2BE1C306-7D1A-40C1-961F-4CDDDC3ED232}"/>
+              </a:ext>
+            </a:extLst>
+          </p:cNvPr>
+          <p:cNvSpPr>
+            <a:spLocks noGrp="1"/>
+          </p:cNvSpPr>
+          <p:nvPr>
+            <p:ph idx="1"/>
+          </p:nvPr>
+        </p:nvSpPr>
+        <p:spPr>
+          <a:xfrm>
+            <a:off x="5543552" y="450000"/>
+            <a:ext cx="6107460" cy="2484000"/>
+          </a:xfrm>
+        </p:spPr>
+        <p:txBody>
+          <a:bodyPr anchor="ctr">
+            <a:normAutofit/>
+          </a:bodyPr>
+          <a:lstStyle/>
+          <a:p>
+            <a:r>
+              <a:rPr lang="de-DE" dirty="0"/>
+              <a:t>Falls die Datei gelockt ist, scheitern die Befehle und man bekommt eine Fehlermeldung “Datei gesperrt“.</a:t>
+            </a:r>
+          </a:p>
+        </p:txBody>
+      </p:sp>
+      <p:pic>
+        <p:nvPicPr>
+          <p:cNvPr id="5" name="Inhaltsplatzhalter 4" descr="Ein Bild, das Text enthält.&#10;&#10;Automatisch generierte Beschreibung">
+            <a:extLst>
+              <a:ext uri="{FF2B5EF4-FFF2-40B4-BE49-F238E27FC236}">
+                <a16:creationId xmlns:a16="http://schemas.microsoft.com/office/drawing/2014/main" id="{126B74DA-018B-024D-AB60-08008A951D1C}"/>
+              </a:ext>
+            </a:extLst>
+          </p:cNvPr>
+          <p:cNvPicPr>
+            <a:picLocks noChangeAspect="1"/>
+          </p:cNvPicPr>
+          <p:nvPr/>
+        </p:nvPicPr>
+        <p:blipFill>
+          <a:blip r:embed="rId2"/>
+          <a:stretch>
+            <a:fillRect/>
+          </a:stretch>
+        </p:blipFill>
+        <p:spPr>
+          <a:xfrm>
+            <a:off x="1621245" y="3429000"/>
+            <a:ext cx="8949861" cy="2886330"/>
+          </a:xfrm>
+          <a:prstGeom prst="rect">
+            <a:avLst/>
+          </a:prstGeom>
+        </p:spPr>
+      </p:pic>
+      <p:sp>
+        <p:nvSpPr>
+          <p:cNvPr id="8" name="Rechteck 7">
+            <a:extLst>
+              <a:ext uri="{FF2B5EF4-FFF2-40B4-BE49-F238E27FC236}">
+                <a16:creationId xmlns:a16="http://schemas.microsoft.com/office/drawing/2014/main" id="{3734AF31-0A5F-4E14-964C-3E5364358087}"/>
+              </a:ext>
+            </a:extLst>
+          </p:cNvPr>
+          <p:cNvSpPr/>
+          <p:nvPr/>
+        </p:nvSpPr>
+        <p:spPr>
+          <a:xfrm>
+            <a:off x="1935060" y="4401394"/>
+            <a:ext cx="7947171" cy="1219230"/>
+          </a:xfrm>
+          <a:prstGeom prst="rect">
+            <a:avLst/>
+          </a:prstGeom>
+          <a:noFill/>
+          <a:ln>
+            <a:solidFill>
+              <a:srgbClr val="FF0000"/>
+            </a:solidFill>
+          </a:ln>
+        </p:spPr>
+        <p:style>
+          <a:lnRef idx="2">
+            <a:schemeClr val="accent1">
+              <a:shade val="50000"/>
+            </a:schemeClr>
+          </a:lnRef>
+          <a:fillRef idx="1">
+            <a:schemeClr val="accent1"/>
+          </a:fillRef>
+          <a:effectRef idx="0">
+            <a:schemeClr val="accent1"/>
+          </a:effectRef>
+          <a:fontRef idx="minor">
+            <a:schemeClr val="lt1"/>
+          </a:fontRef>
+        </p:style>
+        <p:txBody>
+          <a:bodyPr rtlCol="0" anchor="ctr"/>
+          <a:lstStyle/>
+          <a:p>
+            <a:pPr algn="ctr"/>
+            <a:endParaRPr lang="de-DE"/>
+          </a:p>
+        </p:txBody>
+      </p:sp>
+    </p:spTree>
+    <p:extLst>
+      <p:ext uri="{BB962C8B-B14F-4D97-AF65-F5344CB8AC3E}">
+        <p14:creationId xmlns:p14="http://schemas.microsoft.com/office/powerpoint/2010/main" val="2434252395"/>
+      </p:ext>
+    </p:extLst>
+  </p:cSld>
+  <p:clrMapOvr>
+    <a:masterClrMapping/>
+  </p:clrMapOvr>
+</p:sld>
+</file>
+
+<file path=ppt/slides/slide17.xml><?xml version="1.0" encoding="utf-8"?>
+<p:sld xmlns:a="http://schemas.openxmlformats.org/drawingml/2006/main" xmlns:r="http://schemas.openxmlformats.org/officeDocument/2006/relationships" xmlns:p="http://schemas.openxmlformats.org/presentationml/2006/main">
+  <p:cSld>
+    <p:spTree>
+      <p:nvGrpSpPr>
+        <p:cNvPr id="1" name=""/>
+        <p:cNvGrpSpPr/>
+        <p:nvPr/>
+      </p:nvGrpSpPr>
+      <p:grpSpPr>
+        <a:xfrm>
+          <a:off x="0" y="0"/>
+          <a:ext cx="0" cy="0"/>
+          <a:chOff x="0" y="0"/>
+          <a:chExt cx="0" cy="0"/>
+        </a:xfrm>
+      </p:grpSpPr>
+      <p:sp>
+        <p:nvSpPr>
+          <p:cNvPr id="2" name="Titel 1">
+            <a:extLst>
+              <a:ext uri="{FF2B5EF4-FFF2-40B4-BE49-F238E27FC236}">
                 <a16:creationId xmlns:a16="http://schemas.microsoft.com/office/drawing/2014/main" id="{AA1D0167-D80A-C841-942D-064A5D7A5F0E}"/>
               </a:ext>
             </a:extLst>
@@ -4993,8 +6107,73 @@
             <a:fillRect/>
           </a:stretch>
         </p:blipFill>
-        <p:spPr/>
+        <p:spPr>
+          <a:prstGeom prst="rect">
+            <a:avLst/>
+          </a:prstGeom>
+          <a:ln>
+            <a:noFill/>
+          </a:ln>
+          <a:effectLst>
+            <a:softEdge rad="112500"/>
+          </a:effectLst>
+        </p:spPr>
       </p:pic>
+      <p:sp>
+        <p:nvSpPr>
+          <p:cNvPr id="3" name="Textfeld 2">
+            <a:extLst>
+              <a:ext uri="{FF2B5EF4-FFF2-40B4-BE49-F238E27FC236}">
+                <a16:creationId xmlns:a16="http://schemas.microsoft.com/office/drawing/2014/main" id="{2BCE447F-63CD-4294-A6C9-DAF62DF00D8F}"/>
+              </a:ext>
+            </a:extLst>
+          </p:cNvPr>
+          <p:cNvSpPr txBox="1"/>
+          <p:nvPr/>
+        </p:nvSpPr>
+        <p:spPr>
+          <a:xfrm>
+            <a:off x="6837028" y="3325803"/>
+            <a:ext cx="3305262" cy="369332"/>
+          </a:xfrm>
+          <a:prstGeom prst="rect">
+            <a:avLst/>
+          </a:prstGeom>
+          <a:noFill/>
+          <a:ln>
+            <a:noFill/>
+          </a:ln>
+        </p:spPr>
+        <p:txBody>
+          <a:bodyPr wrap="square" rtlCol="0">
+            <a:spAutoFit/>
+          </a:bodyPr>
+          <a:lstStyle/>
+          <a:p>
+            <a:r>
+              <a:rPr lang="de-DE" dirty="0">
+                <a:solidFill>
+                  <a:srgbClr val="FF0000"/>
+                </a:solidFill>
+              </a:rPr>
+              <a:t>Bessere </a:t>
+            </a:r>
+            <a:r>
+              <a:rPr lang="de-DE" dirty="0" err="1">
+                <a:solidFill>
+                  <a:srgbClr val="FF0000"/>
+                </a:solidFill>
+              </a:rPr>
+              <a:t>Qualli</a:t>
+            </a:r>
+            <a:endParaRPr lang="de-DE" dirty="0">
+              <a:solidFill>
+                <a:srgbClr val="FF0000"/>
+              </a:solidFill>
+            </a:endParaRPr>
+          </a:p>
+        </p:txBody>
+      </p:sp>
     </p:spTree>
     <p:extLst>
       <p:ext uri="{BB962C8B-B14F-4D97-AF65-F5344CB8AC3E}">
@@ -5008,7 +6187,7 @@
 </p:sld>
 </file>
 
-<file path=ppt/slides/slide11.xml><?xml version="1.0" encoding="utf-8"?>
+<file path=ppt/slides/slide18.xml><?xml version="1.0" encoding="utf-8"?>
 <p:sld xmlns:a="http://schemas.openxmlformats.org/drawingml/2006/main" xmlns:r="http://schemas.openxmlformats.org/officeDocument/2006/relationships" xmlns:p="http://schemas.openxmlformats.org/presentationml/2006/main">
   <p:cSld>
     <p:spTree>
@@ -5095,7 +6274,7 @@
 </p:sld>
 </file>
 
-<file path=ppt/slides/slide12.xml><?xml version="1.0" encoding="utf-8"?>
+<file path=ppt/slides/slide19.xml><?xml version="1.0" encoding="utf-8"?>
 <p:sld xmlns:a="http://schemas.openxmlformats.org/drawingml/2006/main" xmlns:r="http://schemas.openxmlformats.org/officeDocument/2006/relationships" xmlns:p="http://schemas.openxmlformats.org/presentationml/2006/main">
   <p:cSld>
     <p:spTree>
@@ -5174,68 +6353,102 @@
           </a:p>
         </p:txBody>
       </p:sp>
+      <p:sp>
+        <p:nvSpPr>
+          <p:cNvPr id="4" name="Textfeld 3">
+            <a:extLst>
+              <a:ext uri="{FF2B5EF4-FFF2-40B4-BE49-F238E27FC236}">
+                <a16:creationId xmlns:a16="http://schemas.microsoft.com/office/drawing/2014/main" id="{738DA306-5DC7-42BF-B2CB-A72C4A3C046F}"/>
+              </a:ext>
+            </a:extLst>
+          </p:cNvPr>
+          <p:cNvSpPr txBox="1"/>
+          <p:nvPr/>
+        </p:nvSpPr>
+        <p:spPr>
+          <a:xfrm>
+            <a:off x="6260945" y="1496423"/>
+            <a:ext cx="5690915" cy="369332"/>
+          </a:xfrm>
+          <a:prstGeom prst="rect">
+            <a:avLst/>
+          </a:prstGeom>
+          <a:noFill/>
+          <a:ln>
+            <a:noFill/>
+          </a:ln>
+        </p:spPr>
+        <p:txBody>
+          <a:bodyPr wrap="square" rtlCol="0">
+            <a:spAutoFit/>
+          </a:bodyPr>
+          <a:lstStyle/>
+          <a:p>
+            <a:r>
+              <a:rPr lang="de-DE" dirty="0">
+                <a:solidFill>
+                  <a:srgbClr val="FF0000"/>
+                </a:solidFill>
+              </a:rPr>
+              <a:t>Ausgeführte Tests Bild</a:t>
+            </a:r>
+          </a:p>
+        </p:txBody>
+      </p:sp>
+      <p:sp>
+        <p:nvSpPr>
+          <p:cNvPr id="5" name="Textfeld 4">
+            <a:extLst>
+              <a:ext uri="{FF2B5EF4-FFF2-40B4-BE49-F238E27FC236}">
+                <a16:creationId xmlns:a16="http://schemas.microsoft.com/office/drawing/2014/main" id="{D32AE7C0-DF3C-451D-B18A-E78C0D19386D}"/>
+              </a:ext>
+            </a:extLst>
+          </p:cNvPr>
+          <p:cNvSpPr txBox="1"/>
+          <p:nvPr/>
+        </p:nvSpPr>
+        <p:spPr>
+          <a:xfrm>
+            <a:off x="5291904" y="3624239"/>
+            <a:ext cx="5690915" cy="369332"/>
+          </a:xfrm>
+          <a:prstGeom prst="rect">
+            <a:avLst/>
+          </a:prstGeom>
+          <a:noFill/>
+          <a:ln>
+            <a:noFill/>
+          </a:ln>
+        </p:spPr>
+        <p:txBody>
+          <a:bodyPr wrap="square" rtlCol="0">
+            <a:spAutoFit/>
+          </a:bodyPr>
+          <a:lstStyle/>
+          <a:p>
+            <a:r>
+              <a:rPr lang="de-DE" dirty="0" err="1">
+                <a:solidFill>
+                  <a:srgbClr val="FF0000"/>
+                </a:solidFill>
+              </a:rPr>
+              <a:t>Console</a:t>
+            </a:r>
+            <a:r>
+              <a:rPr lang="de-DE" dirty="0">
+                <a:solidFill>
+                  <a:srgbClr val="FF0000"/>
+                </a:solidFill>
+              </a:rPr>
+              <a:t> unser Programm Bild (farbig)</a:t>
+            </a:r>
+          </a:p>
+        </p:txBody>
+      </p:sp>
     </p:spTree>
     <p:extLst>
       <p:ext uri="{BB962C8B-B14F-4D97-AF65-F5344CB8AC3E}">
         <p14:creationId xmlns:p14="http://schemas.microsoft.com/office/powerpoint/2010/main" val="3373302966"/>
-      </p:ext>
-    </p:extLst>
-  </p:cSld>
-  <p:clrMapOvr>
-    <a:masterClrMapping/>
-  </p:clrMapOvr>
-</p:sld>
-</file>
-
-<file path=ppt/slides/slide13.xml><?xml version="1.0" encoding="utf-8"?>
-<p:sld xmlns:a="http://schemas.openxmlformats.org/drawingml/2006/main" xmlns:r="http://schemas.openxmlformats.org/officeDocument/2006/relationships" xmlns:p="http://schemas.openxmlformats.org/presentationml/2006/main">
-  <p:cSld>
-    <p:spTree>
-      <p:nvGrpSpPr>
-        <p:cNvPr id="1" name=""/>
-        <p:cNvGrpSpPr/>
-        <p:nvPr/>
-      </p:nvGrpSpPr>
-      <p:grpSpPr>
-        <a:xfrm>
-          <a:off x="0" y="0"/>
-          <a:ext cx="0" cy="0"/>
-          <a:chOff x="0" y="0"/>
-          <a:chExt cx="0" cy="0"/>
-        </a:xfrm>
-      </p:grpSpPr>
-      <p:sp>
-        <p:nvSpPr>
-          <p:cNvPr id="2" name="Titel 1">
-            <a:extLst>
-              <a:ext uri="{FF2B5EF4-FFF2-40B4-BE49-F238E27FC236}">
-                <a16:creationId xmlns:a16="http://schemas.microsoft.com/office/drawing/2014/main" id="{F268A1AC-98ED-8043-8EE4-7B536D365BF2}"/>
-              </a:ext>
-            </a:extLst>
-          </p:cNvPr>
-          <p:cNvSpPr>
-            <a:spLocks noGrp="1"/>
-          </p:cNvSpPr>
-          <p:nvPr>
-            <p:ph type="ctrTitle"/>
-          </p:nvPr>
-        </p:nvSpPr>
-        <p:spPr/>
-        <p:txBody>
-          <a:bodyPr/>
-          <a:lstStyle/>
-          <a:p>
-            <a:r>
-              <a:rPr lang="de-DE" dirty="0"/>
-              <a:t>Danke für eure Aufmerksamkeit</a:t>
-            </a:r>
-          </a:p>
-        </p:txBody>
-      </p:sp>
-    </p:spTree>
-    <p:extLst>
-      <p:ext uri="{BB962C8B-B14F-4D97-AF65-F5344CB8AC3E}">
-        <p14:creationId xmlns:p14="http://schemas.microsoft.com/office/powerpoint/2010/main" val="546379655"/>
       </p:ext>
     </p:extLst>
   </p:cSld>
@@ -5839,7 +7052,7 @@
             </a:pPr>
             <a:r>
               <a:rPr lang="de-DE" sz="2400" dirty="0"/>
-              <a:t>Betriebsunabhängig</a:t>
+              <a:t>Betriebssystemunabhängig</a:t>
             </a:r>
           </a:p>
           <a:p>
@@ -5850,12 +7063,8 @@
               <a:buNone/>
             </a:pPr>
             <a:r>
-              <a:rPr lang="de-DE" sz="2400" dirty="0" err="1"/>
-              <a:t>Git</a:t>
-            </a:r>
-            <a:r>
               <a:rPr lang="de-DE" sz="2400" dirty="0"/>
-              <a:t> Organisiert</a:t>
+              <a:t>Arbeiten im Team</a:t>
             </a:r>
           </a:p>
           <a:p>
@@ -5867,7 +7076,7 @@
             </a:pPr>
             <a:r>
               <a:rPr lang="de-DE" sz="2400" dirty="0"/>
-              <a:t>ca. 17 Header Files </a:t>
+              <a:t>Professionelle Projektstruktur</a:t>
             </a:r>
           </a:p>
           <a:p>
@@ -5881,23 +7090,6 @@
               <a:rPr lang="de-DE" sz="2400" dirty="0"/>
               <a:t>Organisierte Planung</a:t>
             </a:r>
-          </a:p>
-          <a:p>
-            <a:pPr marL="0" indent="0" algn="ctr">
-              <a:lnSpc>
-                <a:spcPct val="125000"/>
-              </a:lnSpc>
-              <a:buNone/>
-            </a:pPr>
-            <a:endParaRPr lang="en-US" sz="2400" dirty="0"/>
-          </a:p>
-          <a:p>
-            <a:pPr marL="0" indent="0" algn="ctr">
-              <a:lnSpc>
-                <a:spcPct val="125000"/>
-              </a:lnSpc>
-              <a:buNone/>
-            </a:pPr>
             <a:endParaRPr lang="en-US" sz="2400" dirty="0"/>
           </a:p>
         </p:txBody>
@@ -5954,10 +7146,110 @@
           </a:fontRef>
         </p:style>
       </p:cxnSp>
+      <p:sp>
+        <p:nvSpPr>
+          <p:cNvPr id="15" name="Textfeld 14">
+            <a:extLst>
+              <a:ext uri="{FF2B5EF4-FFF2-40B4-BE49-F238E27FC236}">
+                <a16:creationId xmlns:a16="http://schemas.microsoft.com/office/drawing/2014/main" id="{A4037804-E404-4EA7-820A-21661C22C7D6}"/>
+              </a:ext>
+            </a:extLst>
+          </p:cNvPr>
+          <p:cNvSpPr txBox="1"/>
+          <p:nvPr/>
+        </p:nvSpPr>
+        <p:spPr>
+          <a:xfrm>
+            <a:off x="5287822" y="5013304"/>
+            <a:ext cx="5690915" cy="369332"/>
+          </a:xfrm>
+          <a:prstGeom prst="rect">
+            <a:avLst/>
+          </a:prstGeom>
+          <a:noFill/>
+          <a:ln>
+            <a:noFill/>
+          </a:ln>
+        </p:spPr>
+        <p:txBody>
+          <a:bodyPr wrap="square" rtlCol="0">
+            <a:spAutoFit/>
+          </a:bodyPr>
+          <a:lstStyle/>
+          <a:p>
+            <a:r>
+              <a:rPr lang="de-DE" dirty="0">
+                <a:solidFill>
+                  <a:srgbClr val="FF0000"/>
+                </a:solidFill>
+              </a:rPr>
+              <a:t>Hiernach 4 Folien mit Bildern je Punkt</a:t>
+            </a:r>
+          </a:p>
+        </p:txBody>
+      </p:sp>
     </p:spTree>
     <p:extLst>
       <p:ext uri="{BB962C8B-B14F-4D97-AF65-F5344CB8AC3E}">
         <p14:creationId xmlns:p14="http://schemas.microsoft.com/office/powerpoint/2010/main" val="3725323047"/>
+      </p:ext>
+    </p:extLst>
+  </p:cSld>
+  <p:clrMapOvr>
+    <a:masterClrMapping/>
+  </p:clrMapOvr>
+</p:sld>
+</file>
+
+<file path=ppt/slides/slide20.xml><?xml version="1.0" encoding="utf-8"?>
+<p:sld xmlns:a="http://schemas.openxmlformats.org/drawingml/2006/main" xmlns:r="http://schemas.openxmlformats.org/officeDocument/2006/relationships" xmlns:p="http://schemas.openxmlformats.org/presentationml/2006/main">
+  <p:cSld>
+    <p:spTree>
+      <p:nvGrpSpPr>
+        <p:cNvPr id="1" name=""/>
+        <p:cNvGrpSpPr/>
+        <p:nvPr/>
+      </p:nvGrpSpPr>
+      <p:grpSpPr>
+        <a:xfrm>
+          <a:off x="0" y="0"/>
+          <a:ext cx="0" cy="0"/>
+          <a:chOff x="0" y="0"/>
+          <a:chExt cx="0" cy="0"/>
+        </a:xfrm>
+      </p:grpSpPr>
+      <p:sp>
+        <p:nvSpPr>
+          <p:cNvPr id="2" name="Titel 1">
+            <a:extLst>
+              <a:ext uri="{FF2B5EF4-FFF2-40B4-BE49-F238E27FC236}">
+                <a16:creationId xmlns:a16="http://schemas.microsoft.com/office/drawing/2014/main" id="{F268A1AC-98ED-8043-8EE4-7B536D365BF2}"/>
+              </a:ext>
+            </a:extLst>
+          </p:cNvPr>
+          <p:cNvSpPr>
+            <a:spLocks noGrp="1"/>
+          </p:cNvSpPr>
+          <p:nvPr>
+            <p:ph type="ctrTitle"/>
+          </p:nvPr>
+        </p:nvSpPr>
+        <p:spPr/>
+        <p:txBody>
+          <a:bodyPr/>
+          <a:lstStyle/>
+          <a:p>
+            <a:r>
+              <a:rPr lang="de-DE" dirty="0"/>
+              <a:t>Danke für eure Aufmerksamkeit</a:t>
+            </a:r>
+          </a:p>
+        </p:txBody>
+      </p:sp>
+    </p:spTree>
+    <p:extLst>
+      <p:ext uri="{BB962C8B-B14F-4D97-AF65-F5344CB8AC3E}">
+        <p14:creationId xmlns:p14="http://schemas.microsoft.com/office/powerpoint/2010/main" val="546379655"/>
       </p:ext>
     </p:extLst>
   </p:cSld>
@@ -5986,33 +7278,60 @@
       </p:grpSpPr>
       <p:sp>
         <p:nvSpPr>
-          <p:cNvPr id="4" name="Titel 3">
-            <a:extLst>
-              <a:ext uri="{FF2B5EF4-FFF2-40B4-BE49-F238E27FC236}">
-                <a16:creationId xmlns:a16="http://schemas.microsoft.com/office/drawing/2014/main" id="{A221EA1B-FE98-B844-82AB-B11210642292}"/>
-              </a:ext>
-            </a:extLst>
-          </p:cNvPr>
-          <p:cNvSpPr>
-            <a:spLocks noGrp="1"/>
-          </p:cNvSpPr>
-          <p:nvPr>
-            <p:ph type="ctrTitle"/>
-          </p:nvPr>
-        </p:nvSpPr>
-        <p:spPr>
-          <a:xfrm>
-            <a:off x="2107200" y="1343304"/>
-            <a:ext cx="7977600" cy="2085696"/>
-          </a:xfrm>
-        </p:spPr>
+          <p:cNvPr id="2" name="Titel 1">
+            <a:extLst>
+              <a:ext uri="{FF2B5EF4-FFF2-40B4-BE49-F238E27FC236}">
+                <a16:creationId xmlns:a16="http://schemas.microsoft.com/office/drawing/2014/main" id="{8C847AAD-EE43-43A9-BBC7-9400F04217A1}"/>
+              </a:ext>
+            </a:extLst>
+          </p:cNvPr>
+          <p:cNvSpPr>
+            <a:spLocks noGrp="1"/>
+          </p:cNvSpPr>
+          <p:nvPr>
+            <p:ph type="title"/>
+          </p:nvPr>
+        </p:nvSpPr>
+        <p:spPr/>
         <p:txBody>
           <a:bodyPr/>
           <a:lstStyle/>
           <a:p>
             <a:r>
+              <a:rPr lang="de-DE" sz="3200" dirty="0"/>
+              <a:t>Betriebssystemunabhängig</a:t>
+            </a:r>
+            <a:br>
+              <a:rPr lang="de-DE" sz="3200" dirty="0"/>
+            </a:br>
+            <a:endParaRPr lang="de-DE" dirty="0"/>
+          </a:p>
+        </p:txBody>
+      </p:sp>
+      <p:sp>
+        <p:nvSpPr>
+          <p:cNvPr id="3" name="Inhaltsplatzhalter 2">
+            <a:extLst>
+              <a:ext uri="{FF2B5EF4-FFF2-40B4-BE49-F238E27FC236}">
+                <a16:creationId xmlns:a16="http://schemas.microsoft.com/office/drawing/2014/main" id="{B607105D-71D8-4AF2-B028-7E0CD209EBE1}"/>
+              </a:ext>
+            </a:extLst>
+          </p:cNvPr>
+          <p:cNvSpPr>
+            <a:spLocks noGrp="1"/>
+          </p:cNvSpPr>
+          <p:nvPr>
+            <p:ph idx="1"/>
+          </p:nvPr>
+        </p:nvSpPr>
+        <p:spPr/>
+        <p:txBody>
+          <a:bodyPr/>
+          <a:lstStyle/>
+          <a:p>
+            <a:r>
               <a:rPr lang="de-DE" dirty="0"/>
-              <a:t>Show Case</a:t>
+              <a:t>TODO</a:t>
             </a:r>
           </a:p>
         </p:txBody>
@@ -6020,7 +7339,7 @@
     </p:spTree>
     <p:extLst>
       <p:ext uri="{BB962C8B-B14F-4D97-AF65-F5344CB8AC3E}">
-        <p14:creationId xmlns:p14="http://schemas.microsoft.com/office/powerpoint/2010/main" val="2902095574"/>
+        <p14:creationId xmlns:p14="http://schemas.microsoft.com/office/powerpoint/2010/main" val="1761464270"/>
       </p:ext>
     </p:extLst>
   </p:cSld>
@@ -6052,7 +7371,7 @@
           <p:cNvPr id="2" name="Titel 1">
             <a:extLst>
               <a:ext uri="{FF2B5EF4-FFF2-40B4-BE49-F238E27FC236}">
-                <a16:creationId xmlns:a16="http://schemas.microsoft.com/office/drawing/2014/main" id="{ADAC0203-7BC8-0A42-8F30-4C382DA3C118}"/>
+                <a16:creationId xmlns:a16="http://schemas.microsoft.com/office/drawing/2014/main" id="{8F0F1321-2744-49E7-866E-0DD5AE4AA8D5}"/>
               </a:ext>
             </a:extLst>
           </p:cNvPr>
@@ -6069,130 +7388,48 @@
           <a:lstStyle/>
           <a:p>
             <a:r>
+              <a:rPr lang="de-DE" sz="3200" dirty="0"/>
+              <a:t>Arbeiten im Team</a:t>
+            </a:r>
+            <a:br>
+              <a:rPr lang="de-DE" sz="3200" dirty="0"/>
+            </a:br>
+            <a:endParaRPr lang="de-DE" dirty="0"/>
+          </a:p>
+        </p:txBody>
+      </p:sp>
+      <p:sp>
+        <p:nvSpPr>
+          <p:cNvPr id="3" name="Inhaltsplatzhalter 2">
+            <a:extLst>
+              <a:ext uri="{FF2B5EF4-FFF2-40B4-BE49-F238E27FC236}">
+                <a16:creationId xmlns:a16="http://schemas.microsoft.com/office/drawing/2014/main" id="{78987F8A-5ABE-4520-ABFF-7E700B64B6FD}"/>
+              </a:ext>
+            </a:extLst>
+          </p:cNvPr>
+          <p:cNvSpPr>
+            <a:spLocks noGrp="1"/>
+          </p:cNvSpPr>
+          <p:nvPr>
+            <p:ph idx="1"/>
+          </p:nvPr>
+        </p:nvSpPr>
+        <p:spPr/>
+        <p:txBody>
+          <a:bodyPr/>
+          <a:lstStyle/>
+          <a:p>
+            <a:r>
               <a:rPr lang="de-DE" dirty="0"/>
-              <a:t>Code Auszug: Betriebssystem unabhängig</a:t>
-            </a:r>
-          </a:p>
-        </p:txBody>
-      </p:sp>
-      <p:sp>
-        <p:nvSpPr>
-          <p:cNvPr id="4" name="Textplatzhalter 3">
-            <a:extLst>
-              <a:ext uri="{FF2B5EF4-FFF2-40B4-BE49-F238E27FC236}">
-                <a16:creationId xmlns:a16="http://schemas.microsoft.com/office/drawing/2014/main" id="{27C0BFFE-83B8-2144-8B81-0FF7FB577F9A}"/>
-              </a:ext>
-            </a:extLst>
-          </p:cNvPr>
-          <p:cNvSpPr>
-            <a:spLocks noGrp="1"/>
-          </p:cNvSpPr>
-          <p:nvPr>
-            <p:ph type="body" idx="1"/>
-          </p:nvPr>
-        </p:nvSpPr>
-        <p:spPr/>
-        <p:txBody>
-          <a:bodyPr/>
-          <a:lstStyle/>
-          <a:p>
-            <a:r>
-              <a:rPr lang="de-DE" dirty="0"/>
-              <a:t>Unix</a:t>
-            </a:r>
-          </a:p>
-        </p:txBody>
-      </p:sp>
-      <p:pic>
-        <p:nvPicPr>
-          <p:cNvPr id="9" name="Inhaltsplatzhalter 8">
-            <a:extLst>
-              <a:ext uri="{FF2B5EF4-FFF2-40B4-BE49-F238E27FC236}">
-                <a16:creationId xmlns:a16="http://schemas.microsoft.com/office/drawing/2014/main" id="{079042E0-B9BF-1044-A386-9E02B00233C8}"/>
-              </a:ext>
-            </a:extLst>
-          </p:cNvPr>
-          <p:cNvPicPr>
-            <a:picLocks noGrp="1" noChangeAspect="1"/>
-          </p:cNvPicPr>
-          <p:nvPr>
-            <p:ph sz="half" idx="2"/>
-          </p:nvPr>
-        </p:nvPicPr>
-        <p:blipFill>
-          <a:blip r:embed="rId2"/>
-          <a:stretch>
-            <a:fillRect/>
-          </a:stretch>
-        </p:blipFill>
-        <p:spPr>
-          <a:xfrm>
-            <a:off x="1085049" y="3336925"/>
-            <a:ext cx="4737100" cy="1536700"/>
-          </a:xfrm>
-        </p:spPr>
-      </p:pic>
-      <p:sp>
-        <p:nvSpPr>
-          <p:cNvPr id="6" name="Textplatzhalter 5">
-            <a:extLst>
-              <a:ext uri="{FF2B5EF4-FFF2-40B4-BE49-F238E27FC236}">
-                <a16:creationId xmlns:a16="http://schemas.microsoft.com/office/drawing/2014/main" id="{49D18E51-7D45-8948-A678-5A1D8FF6D5C5}"/>
-              </a:ext>
-            </a:extLst>
-          </p:cNvPr>
-          <p:cNvSpPr>
-            <a:spLocks noGrp="1"/>
-          </p:cNvSpPr>
-          <p:nvPr>
-            <p:ph type="body" sz="quarter" idx="3"/>
-          </p:nvPr>
-        </p:nvSpPr>
-        <p:spPr/>
-        <p:txBody>
-          <a:bodyPr/>
-          <a:lstStyle/>
-          <a:p>
-            <a:r>
-              <a:rPr lang="de-DE" dirty="0"/>
-              <a:t>Windows</a:t>
-            </a:r>
-          </a:p>
-        </p:txBody>
-      </p:sp>
-      <p:pic>
-        <p:nvPicPr>
-          <p:cNvPr id="11" name="Inhaltsplatzhalter 10" descr="Ein Bild, das Text enthält.&#10;&#10;Automatisch generierte Beschreibung">
-            <a:extLst>
-              <a:ext uri="{FF2B5EF4-FFF2-40B4-BE49-F238E27FC236}">
-                <a16:creationId xmlns:a16="http://schemas.microsoft.com/office/drawing/2014/main" id="{1F95E82F-EC66-1243-B418-EFD46E6B8007}"/>
-              </a:ext>
-            </a:extLst>
-          </p:cNvPr>
-          <p:cNvPicPr>
-            <a:picLocks noGrp="1" noChangeAspect="1"/>
-          </p:cNvPicPr>
-          <p:nvPr>
-            <p:ph sz="quarter" idx="4"/>
-          </p:nvPr>
-        </p:nvPicPr>
-        <p:blipFill>
-          <a:blip r:embed="rId3"/>
-          <a:stretch>
-            <a:fillRect/>
-          </a:stretch>
-        </p:blipFill>
-        <p:spPr>
-          <a:xfrm>
-            <a:off x="6312694" y="3336925"/>
-            <a:ext cx="4851400" cy="1536700"/>
-          </a:xfrm>
-        </p:spPr>
-      </p:pic>
+              <a:t>TODO</a:t>
+            </a:r>
+          </a:p>
+        </p:txBody>
+      </p:sp>
     </p:spTree>
     <p:extLst>
       <p:ext uri="{BB962C8B-B14F-4D97-AF65-F5344CB8AC3E}">
-        <p14:creationId xmlns:p14="http://schemas.microsoft.com/office/powerpoint/2010/main" val="1240706466"/>
+        <p14:creationId xmlns:p14="http://schemas.microsoft.com/office/powerpoint/2010/main" val="890558080"/>
       </p:ext>
     </p:extLst>
   </p:cSld>
@@ -6224,7 +7461,7 @@
           <p:cNvPr id="2" name="Titel 1">
             <a:extLst>
               <a:ext uri="{FF2B5EF4-FFF2-40B4-BE49-F238E27FC236}">
-                <a16:creationId xmlns:a16="http://schemas.microsoft.com/office/drawing/2014/main" id="{AEB5091C-BE97-D649-8F09-0255843A386B}"/>
+                <a16:creationId xmlns:a16="http://schemas.microsoft.com/office/drawing/2014/main" id="{6EDA3904-593B-44C4-945B-992DEC5BC6C4}"/>
               </a:ext>
             </a:extLst>
           </p:cNvPr>
@@ -6240,66 +7477,49 @@
           <a:bodyPr/>
           <a:lstStyle/>
           <a:p>
-            <a:pPr algn="ctr"/>
+            <a:r>
+              <a:rPr lang="de-DE" sz="3200" dirty="0"/>
+              <a:t>Professionelle Projektstruktur</a:t>
+            </a:r>
+            <a:br>
+              <a:rPr lang="de-DE" sz="3200" dirty="0"/>
+            </a:br>
+            <a:endParaRPr lang="de-DE" dirty="0"/>
+          </a:p>
+        </p:txBody>
+      </p:sp>
+      <p:sp>
+        <p:nvSpPr>
+          <p:cNvPr id="3" name="Inhaltsplatzhalter 2">
+            <a:extLst>
+              <a:ext uri="{FF2B5EF4-FFF2-40B4-BE49-F238E27FC236}">
+                <a16:creationId xmlns:a16="http://schemas.microsoft.com/office/drawing/2014/main" id="{B5F3DB4C-7366-4787-8C9A-0C6BE4B57544}"/>
+              </a:ext>
+            </a:extLst>
+          </p:cNvPr>
+          <p:cNvSpPr>
+            <a:spLocks noGrp="1"/>
+          </p:cNvSpPr>
+          <p:nvPr>
+            <p:ph idx="1"/>
+          </p:nvPr>
+        </p:nvSpPr>
+        <p:spPr/>
+        <p:txBody>
+          <a:bodyPr/>
+          <a:lstStyle/>
+          <a:p>
             <a:r>
               <a:rPr lang="de-DE" dirty="0"/>
-              <a:t>Threads</a:t>
-            </a:r>
-          </a:p>
-        </p:txBody>
-      </p:sp>
-      <p:pic>
-        <p:nvPicPr>
-          <p:cNvPr id="4" name="Inhaltsplatzhalter 3">
-            <a:extLst>
-              <a:ext uri="{FF2B5EF4-FFF2-40B4-BE49-F238E27FC236}">
-                <a16:creationId xmlns:a16="http://schemas.microsoft.com/office/drawing/2014/main" id="{E6159A98-6B24-8749-8C96-21C2A87BD0F7}"/>
-              </a:ext>
-            </a:extLst>
-          </p:cNvPr>
-          <p:cNvPicPr>
-            <a:picLocks noGrp="1" noChangeAspect="1"/>
-          </p:cNvPicPr>
-          <p:nvPr>
-            <p:ph idx="1"/>
-          </p:nvPr>
-        </p:nvPicPr>
-        <p:blipFill>
-          <a:blip r:embed="rId2">
-            <a:extLst>
-              <a:ext uri="{28A0092B-C50C-407E-A947-70E740481C1C}">
-                <a14:useLocalDpi xmlns:a14="http://schemas.microsoft.com/office/drawing/2010/main" val="0"/>
-              </a:ext>
-            </a:extLst>
-          </a:blip>
-          <a:stretch>
-            <a:fillRect/>
-          </a:stretch>
-        </p:blipFill>
-        <p:spPr>
-          <a:xfrm>
-            <a:off x="2693995" y="1685925"/>
-            <a:ext cx="6804010" cy="4040188"/>
-          </a:xfrm>
-          <a:prstGeom prst="rect">
-            <a:avLst/>
-          </a:prstGeom>
-          <a:ln>
-            <a:noFill/>
-          </a:ln>
-          <a:effectLst>
-            <a:outerShdw blurRad="292100" dist="139700" dir="2700000" algn="tl" rotWithShape="0">
-              <a:srgbClr val="333333">
-                <a:alpha val="65000"/>
-              </a:srgbClr>
-            </a:outerShdw>
-          </a:effectLst>
-        </p:spPr>
-      </p:pic>
+              <a:t>TODO</a:t>
+            </a:r>
+          </a:p>
+        </p:txBody>
+      </p:sp>
     </p:spTree>
     <p:extLst>
       <p:ext uri="{BB962C8B-B14F-4D97-AF65-F5344CB8AC3E}">
-        <p14:creationId xmlns:p14="http://schemas.microsoft.com/office/powerpoint/2010/main" val="2389419199"/>
+        <p14:creationId xmlns:p14="http://schemas.microsoft.com/office/powerpoint/2010/main" val="1366297629"/>
       </p:ext>
     </p:extLst>
   </p:cSld>
@@ -6331,7 +7551,7 @@
           <p:cNvPr id="2" name="Titel 1">
             <a:extLst>
               <a:ext uri="{FF2B5EF4-FFF2-40B4-BE49-F238E27FC236}">
-                <a16:creationId xmlns:a16="http://schemas.microsoft.com/office/drawing/2014/main" id="{5DE51B34-B75C-7E44-9C0F-EBFE5105E148}"/>
+                <a16:creationId xmlns:a16="http://schemas.microsoft.com/office/drawing/2014/main" id="{D160CACC-8E57-471B-BF9C-F928E1E8F405}"/>
               </a:ext>
             </a:extLst>
           </p:cNvPr>
@@ -6348,45 +7568,48 @@
           <a:lstStyle/>
           <a:p>
             <a:r>
+              <a:rPr lang="de-DE" sz="3200" dirty="0"/>
+              <a:t>Organisierte Planung</a:t>
+            </a:r>
+            <a:br>
+              <a:rPr lang="en-US" sz="3200" dirty="0"/>
+            </a:br>
+            <a:endParaRPr lang="de-DE" dirty="0"/>
+          </a:p>
+        </p:txBody>
+      </p:sp>
+      <p:sp>
+        <p:nvSpPr>
+          <p:cNvPr id="3" name="Inhaltsplatzhalter 2">
+            <a:extLst>
+              <a:ext uri="{FF2B5EF4-FFF2-40B4-BE49-F238E27FC236}">
+                <a16:creationId xmlns:a16="http://schemas.microsoft.com/office/drawing/2014/main" id="{0FFFACBC-A0DE-47AD-87AB-A87C253665A0}"/>
+              </a:ext>
+            </a:extLst>
+          </p:cNvPr>
+          <p:cNvSpPr>
+            <a:spLocks noGrp="1"/>
+          </p:cNvSpPr>
+          <p:nvPr>
+            <p:ph idx="1"/>
+          </p:nvPr>
+        </p:nvSpPr>
+        <p:spPr/>
+        <p:txBody>
+          <a:bodyPr/>
+          <a:lstStyle/>
+          <a:p>
+            <a:r>
               <a:rPr lang="de-DE" dirty="0"/>
-              <a:t>Code Auszug: Asynchroner Schutz (Semaphoren)</a:t>
-            </a:r>
-          </a:p>
-        </p:txBody>
-      </p:sp>
-      <p:pic>
-        <p:nvPicPr>
-          <p:cNvPr id="7" name="Inhaltsplatzhalter 6" descr="Ein Bild, das Text enthält.&#10;&#10;Automatisch generierte Beschreibung">
-            <a:extLst>
-              <a:ext uri="{FF2B5EF4-FFF2-40B4-BE49-F238E27FC236}">
-                <a16:creationId xmlns:a16="http://schemas.microsoft.com/office/drawing/2014/main" id="{8B03E9B0-CB1D-FB4D-B201-5E54BB311B9B}"/>
-              </a:ext>
-            </a:extLst>
-          </p:cNvPr>
-          <p:cNvPicPr>
-            <a:picLocks noGrp="1" noChangeAspect="1"/>
-          </p:cNvPicPr>
-          <p:nvPr>
-            <p:ph idx="1"/>
-          </p:nvPr>
-        </p:nvPicPr>
-        <p:blipFill>
-          <a:blip r:embed="rId2"/>
-          <a:stretch>
-            <a:fillRect/>
-          </a:stretch>
-        </p:blipFill>
-        <p:spPr>
-          <a:xfrm>
-            <a:off x="1911350" y="3178969"/>
-            <a:ext cx="8369300" cy="1054100"/>
-          </a:xfrm>
-        </p:spPr>
-      </p:pic>
+              <a:t>TODO</a:t>
+            </a:r>
+          </a:p>
+        </p:txBody>
+      </p:sp>
     </p:spTree>
     <p:extLst>
       <p:ext uri="{BB962C8B-B14F-4D97-AF65-F5344CB8AC3E}">
-        <p14:creationId xmlns:p14="http://schemas.microsoft.com/office/powerpoint/2010/main" val="2104931142"/>
+        <p14:creationId xmlns:p14="http://schemas.microsoft.com/office/powerpoint/2010/main" val="476671431"/>
       </p:ext>
     </p:extLst>
   </p:cSld>
@@ -6415,65 +7638,41 @@
       </p:grpSpPr>
       <p:sp>
         <p:nvSpPr>
-          <p:cNvPr id="2" name="Titel 1">
-            <a:extLst>
-              <a:ext uri="{FF2B5EF4-FFF2-40B4-BE49-F238E27FC236}">
-                <a16:creationId xmlns:a16="http://schemas.microsoft.com/office/drawing/2014/main" id="{93C1CD93-B848-084F-BBA3-68B8F892F035}"/>
-              </a:ext>
-            </a:extLst>
-          </p:cNvPr>
-          <p:cNvSpPr>
-            <a:spLocks noGrp="1"/>
-          </p:cNvSpPr>
-          <p:nvPr>
-            <p:ph type="title"/>
-          </p:nvPr>
-        </p:nvSpPr>
-        <p:spPr/>
-        <p:txBody>
-          <a:bodyPr/>
-          <a:lstStyle/>
-          <a:p>
-            <a:r>
-              <a:rPr lang="de-DE" dirty="0"/>
-              <a:t>Code Auszug: PUT Befehl</a:t>
-            </a:r>
-          </a:p>
-        </p:txBody>
-      </p:sp>
-      <p:pic>
-        <p:nvPicPr>
-          <p:cNvPr id="5" name="Inhaltsplatzhalter 4" descr="Ein Bild, das Text enthält.&#10;&#10;Automatisch generierte Beschreibung">
-            <a:extLst>
-              <a:ext uri="{FF2B5EF4-FFF2-40B4-BE49-F238E27FC236}">
-                <a16:creationId xmlns:a16="http://schemas.microsoft.com/office/drawing/2014/main" id="{B01FD024-579F-E94E-A141-2A94C4012D08}"/>
-              </a:ext>
-            </a:extLst>
-          </p:cNvPr>
-          <p:cNvPicPr>
-            <a:picLocks noGrp="1" noChangeAspect="1"/>
-          </p:cNvPicPr>
-          <p:nvPr>
-            <p:ph idx="1"/>
-          </p:nvPr>
-        </p:nvPicPr>
-        <p:blipFill>
-          <a:blip r:embed="rId2"/>
-          <a:stretch>
-            <a:fillRect/>
-          </a:stretch>
-        </p:blipFill>
+          <p:cNvPr id="4" name="Titel 3">
+            <a:extLst>
+              <a:ext uri="{FF2B5EF4-FFF2-40B4-BE49-F238E27FC236}">
+                <a16:creationId xmlns:a16="http://schemas.microsoft.com/office/drawing/2014/main" id="{A221EA1B-FE98-B844-82AB-B11210642292}"/>
+              </a:ext>
+            </a:extLst>
+          </p:cNvPr>
+          <p:cNvSpPr>
+            <a:spLocks noGrp="1"/>
+          </p:cNvSpPr>
+          <p:nvPr>
+            <p:ph type="ctrTitle"/>
+          </p:nvPr>
+        </p:nvSpPr>
         <p:spPr>
           <a:xfrm>
-            <a:off x="1686488" y="1685925"/>
-            <a:ext cx="8819025" cy="4040188"/>
+            <a:off x="2107200" y="1343304"/>
+            <a:ext cx="7977600" cy="2085696"/>
           </a:xfrm>
         </p:spPr>
-      </p:pic>
+        <p:txBody>
+          <a:bodyPr/>
+          <a:lstStyle/>
+          <a:p>
+            <a:r>
+              <a:rPr lang="de-DE" dirty="0"/>
+              <a:t>Show Case</a:t>
+            </a:r>
+          </a:p>
+        </p:txBody>
+      </p:sp>
     </p:spTree>
     <p:extLst>
       <p:ext uri="{BB962C8B-B14F-4D97-AF65-F5344CB8AC3E}">
-        <p14:creationId xmlns:p14="http://schemas.microsoft.com/office/powerpoint/2010/main" val="603552313"/>
+        <p14:creationId xmlns:p14="http://schemas.microsoft.com/office/powerpoint/2010/main" val="2902095574"/>
       </p:ext>
     </p:extLst>
   </p:cSld>
@@ -6500,12 +7699,68 @@
           <a:chExt cx="0" cy="0"/>
         </a:xfrm>
       </p:grpSpPr>
+      <p:sp>
+        <p:nvSpPr>
+          <p:cNvPr id="2" name="Titel 1">
+            <a:extLst>
+              <a:ext uri="{FF2B5EF4-FFF2-40B4-BE49-F238E27FC236}">
+                <a16:creationId xmlns:a16="http://schemas.microsoft.com/office/drawing/2014/main" id="{ADAC0203-7BC8-0A42-8F30-4C382DA3C118}"/>
+              </a:ext>
+            </a:extLst>
+          </p:cNvPr>
+          <p:cNvSpPr>
+            <a:spLocks noGrp="1"/>
+          </p:cNvSpPr>
+          <p:nvPr>
+            <p:ph type="title"/>
+          </p:nvPr>
+        </p:nvSpPr>
+        <p:spPr/>
+        <p:txBody>
+          <a:bodyPr/>
+          <a:lstStyle/>
+          <a:p>
+            <a:r>
+              <a:rPr lang="de-DE" dirty="0"/>
+              <a:t>Code Auszug: Betriebssystem unabhängig</a:t>
+            </a:r>
+          </a:p>
+        </p:txBody>
+      </p:sp>
+      <p:sp>
+        <p:nvSpPr>
+          <p:cNvPr id="4" name="Textplatzhalter 3">
+            <a:extLst>
+              <a:ext uri="{FF2B5EF4-FFF2-40B4-BE49-F238E27FC236}">
+                <a16:creationId xmlns:a16="http://schemas.microsoft.com/office/drawing/2014/main" id="{27C0BFFE-83B8-2144-8B81-0FF7FB577F9A}"/>
+              </a:ext>
+            </a:extLst>
+          </p:cNvPr>
+          <p:cNvSpPr>
+            <a:spLocks noGrp="1"/>
+          </p:cNvSpPr>
+          <p:nvPr>
+            <p:ph type="body" idx="1"/>
+          </p:nvPr>
+        </p:nvSpPr>
+        <p:spPr/>
+        <p:txBody>
+          <a:bodyPr/>
+          <a:lstStyle/>
+          <a:p>
+            <a:r>
+              <a:rPr lang="de-DE" dirty="0"/>
+              <a:t>Unix</a:t>
+            </a:r>
+          </a:p>
+        </p:txBody>
+      </p:sp>
       <p:pic>
         <p:nvPicPr>
-          <p:cNvPr id="5" name="Inhaltsplatzhalter 4" descr="Ein Bild, das Text enthält.&#10;&#10;Automatisch generierte Beschreibung">
-            <a:extLst>
-              <a:ext uri="{FF2B5EF4-FFF2-40B4-BE49-F238E27FC236}">
-                <a16:creationId xmlns:a16="http://schemas.microsoft.com/office/drawing/2014/main" id="{176625FD-A675-FE4A-9838-8D2CE43EB3B0}"/>
+          <p:cNvPr id="9" name="Inhaltsplatzhalter 8">
+            <a:extLst>
+              <a:ext uri="{FF2B5EF4-FFF2-40B4-BE49-F238E27FC236}">
+                <a16:creationId xmlns:a16="http://schemas.microsoft.com/office/drawing/2014/main" id="{079042E0-B9BF-1044-A386-9E02B00233C8}"/>
               </a:ext>
             </a:extLst>
           </p:cNvPr>
@@ -6513,7 +7768,7 @@
             <a:picLocks noGrp="1" noChangeAspect="1"/>
           </p:cNvPicPr>
           <p:nvPr>
-            <p:ph idx="1"/>
+            <p:ph sz="half" idx="2"/>
           </p:nvPr>
         </p:nvPicPr>
         <p:blipFill>
@@ -6524,25 +7779,25 @@
         </p:blipFill>
         <p:spPr>
           <a:xfrm>
-            <a:off x="2379790" y="1685925"/>
-            <a:ext cx="7432421" cy="4040188"/>
+            <a:off x="1085049" y="3336925"/>
+            <a:ext cx="4737100" cy="1536700"/>
           </a:xfrm>
         </p:spPr>
       </p:pic>
       <p:sp>
         <p:nvSpPr>
-          <p:cNvPr id="2" name="Titel 1">
-            <a:extLst>
-              <a:ext uri="{FF2B5EF4-FFF2-40B4-BE49-F238E27FC236}">
-                <a16:creationId xmlns:a16="http://schemas.microsoft.com/office/drawing/2014/main" id="{5AD4CF47-00CA-9445-818B-86A9FEE94943}"/>
-              </a:ext>
-            </a:extLst>
-          </p:cNvPr>
-          <p:cNvSpPr>
-            <a:spLocks noGrp="1"/>
-          </p:cNvSpPr>
-          <p:nvPr>
-            <p:ph type="title"/>
+          <p:cNvPr id="6" name="Textplatzhalter 5">
+            <a:extLst>
+              <a:ext uri="{FF2B5EF4-FFF2-40B4-BE49-F238E27FC236}">
+                <a16:creationId xmlns:a16="http://schemas.microsoft.com/office/drawing/2014/main" id="{49D18E51-7D45-8948-A678-5A1D8FF6D5C5}"/>
+              </a:ext>
+            </a:extLst>
+          </p:cNvPr>
+          <p:cNvSpPr>
+            <a:spLocks noGrp="1"/>
+          </p:cNvSpPr>
+          <p:nvPr>
+            <p:ph type="body" sz="quarter" idx="3"/>
           </p:nvPr>
         </p:nvSpPr>
         <p:spPr/>
@@ -6552,15 +7807,99 @@
           <a:p>
             <a:r>
               <a:rPr lang="de-DE" dirty="0"/>
-              <a:t>Code Auszug: GET Befehl</a:t>
-            </a:r>
+              <a:t>Windows</a:t>
+            </a:r>
+          </a:p>
+        </p:txBody>
+      </p:sp>
+      <p:pic>
+        <p:nvPicPr>
+          <p:cNvPr id="11" name="Inhaltsplatzhalter 10" descr="Ein Bild, das Text enthält.&#10;&#10;Automatisch generierte Beschreibung">
+            <a:extLst>
+              <a:ext uri="{FF2B5EF4-FFF2-40B4-BE49-F238E27FC236}">
+                <a16:creationId xmlns:a16="http://schemas.microsoft.com/office/drawing/2014/main" id="{1F95E82F-EC66-1243-B418-EFD46E6B8007}"/>
+              </a:ext>
+            </a:extLst>
+          </p:cNvPr>
+          <p:cNvPicPr>
+            <a:picLocks noGrp="1" noChangeAspect="1"/>
+          </p:cNvPicPr>
+          <p:nvPr>
+            <p:ph sz="quarter" idx="4"/>
+          </p:nvPr>
+        </p:nvPicPr>
+        <p:blipFill>
+          <a:blip r:embed="rId3"/>
+          <a:stretch>
+            <a:fillRect/>
+          </a:stretch>
+        </p:blipFill>
+        <p:spPr>
+          <a:xfrm>
+            <a:off x="6312694" y="3336925"/>
+            <a:ext cx="4851400" cy="1536700"/>
+          </a:xfrm>
+        </p:spPr>
+      </p:pic>
+      <p:sp>
+        <p:nvSpPr>
+          <p:cNvPr id="7" name="Textfeld 6">
+            <a:extLst>
+              <a:ext uri="{FF2B5EF4-FFF2-40B4-BE49-F238E27FC236}">
+                <a16:creationId xmlns:a16="http://schemas.microsoft.com/office/drawing/2014/main" id="{6A65D72E-5DA8-44D4-8C22-D69AC799263E}"/>
+              </a:ext>
+            </a:extLst>
+          </p:cNvPr>
+          <p:cNvSpPr txBox="1"/>
+          <p:nvPr/>
+        </p:nvSpPr>
+        <p:spPr>
+          <a:xfrm>
+            <a:off x="3736661" y="2932223"/>
+            <a:ext cx="5690915" cy="369332"/>
+          </a:xfrm>
+          <a:prstGeom prst="rect">
+            <a:avLst/>
+          </a:prstGeom>
+          <a:noFill/>
+          <a:ln>
+            <a:noFill/>
+          </a:ln>
+        </p:spPr>
+        <p:txBody>
+          <a:bodyPr wrap="square" rtlCol="0">
+            <a:spAutoFit/>
+          </a:bodyPr>
+          <a:lstStyle/>
+          <a:p>
+            <a:r>
+              <a:rPr lang="de-DE" dirty="0">
+                <a:solidFill>
+                  <a:srgbClr val="FF0000"/>
+                </a:solidFill>
+              </a:rPr>
+              <a:t>Anwendungsbeispiel nicht </a:t>
+            </a:r>
+            <a:r>
+              <a:rPr lang="de-DE" dirty="0" err="1">
+                <a:solidFill>
+                  <a:srgbClr val="FF0000"/>
+                </a:solidFill>
+              </a:rPr>
+              <a:t>defineanweisungen</a:t>
+            </a:r>
+            <a:endParaRPr lang="de-DE" dirty="0">
+              <a:solidFill>
+                <a:srgbClr val="FF0000"/>
+              </a:solidFill>
+            </a:endParaRPr>
           </a:p>
         </p:txBody>
       </p:sp>
     </p:spTree>
     <p:extLst>
       <p:ext uri="{BB962C8B-B14F-4D97-AF65-F5344CB8AC3E}">
-        <p14:creationId xmlns:p14="http://schemas.microsoft.com/office/powerpoint/2010/main" val="2517605581"/>
+        <p14:creationId xmlns:p14="http://schemas.microsoft.com/office/powerpoint/2010/main" val="1240706466"/>
       </p:ext>
     </p:extLst>
   </p:cSld>
@@ -6573,14 +7912,6 @@
 <file path=ppt/slides/slide9.xml><?xml version="1.0" encoding="utf-8"?>
 <p:sld xmlns:a="http://schemas.openxmlformats.org/drawingml/2006/main" xmlns:r="http://schemas.openxmlformats.org/officeDocument/2006/relationships" xmlns:p="http://schemas.openxmlformats.org/presentationml/2006/main">
   <p:cSld>
-    <p:bg>
-      <p:bgPr>
-        <a:solidFill>
-          <a:schemeClr val="bg2"/>
-        </a:solidFill>
-        <a:effectLst/>
-      </p:bgPr>
-    </p:bg>
     <p:spTree>
       <p:nvGrpSpPr>
         <p:cNvPr id="1" name=""/>
@@ -6595,88 +7926,12 @@
           <a:chExt cx="0" cy="0"/>
         </a:xfrm>
       </p:grpSpPr>
-      <p:sp useBgFill="1">
-        <p:nvSpPr>
-          <p:cNvPr id="12" name="Rectangle 11">
-            <a:extLst>
-              <a:ext uri="{FF2B5EF4-FFF2-40B4-BE49-F238E27FC236}">
-                <a16:creationId xmlns:a16="http://schemas.microsoft.com/office/drawing/2014/main" id="{EEE96A74-B62B-4642-AB22-7776A5F48CE7}"/>
-              </a:ext>
-              <a:ext uri="{C183D7F6-B498-43B3-948B-1728B52AA6E4}">
-                <adec:decorative xmlns:adec="http://schemas.microsoft.com/office/drawing/2017/decorative" val="1"/>
-              </a:ext>
-            </a:extLst>
-          </p:cNvPr>
-          <p:cNvSpPr>
-            <a:spLocks noGrp="1" noRot="1" noChangeAspect="1" noMove="1" noResize="1" noEditPoints="1" noAdjustHandles="1" noChangeArrowheads="1" noChangeShapeType="1" noTextEdit="1"/>
-          </p:cNvSpPr>
-          <p:nvPr>
-            <p:extLst>
-              <p:ext uri="{386F3935-93C4-4BCD-93E2-E3B085C9AB24}">
-                <p16:designElem xmlns:p16="http://schemas.microsoft.com/office/powerpoint/2015/main" val="1"/>
-              </p:ext>
-            </p:extLst>
-          </p:nvPr>
-        </p:nvSpPr>
-        <p:spPr>
-          <a:xfrm>
-            <a:off x="0" y="0"/>
-            <a:ext cx="12192000" cy="6858000"/>
-          </a:xfrm>
-          <a:prstGeom prst="rect">
-            <a:avLst/>
-          </a:prstGeom>
-          <a:ln w="12700" cap="flat" cmpd="sng" algn="ctr">
-            <a:noFill/>
-            <a:prstDash val="solid"/>
-            <a:miter lim="800000"/>
-          </a:ln>
-          <a:effectLst/>
-          <a:extLst>
-            <a:ext uri="{91240B29-F687-4F45-9708-019B960494DF}">
-              <a14:hiddenLine xmlns:a14="http://schemas.microsoft.com/office/drawing/2010/main" w="12700" cap="flat" cmpd="sng" algn="ctr">
-                <a:solidFill>
-                  <a:schemeClr val="accent1">
-                    <a:shade val="50000"/>
-                  </a:schemeClr>
-                </a:solidFill>
-                <a:prstDash val="solid"/>
-                <a:miter lim="800000"/>
-              </a14:hiddenLine>
-            </a:ext>
-          </a:extLst>
-        </p:spPr>
-        <p:style>
-          <a:lnRef idx="2">
-            <a:schemeClr val="accent1">
-              <a:shade val="50000"/>
-            </a:schemeClr>
-          </a:lnRef>
-          <a:fillRef idx="1">
-            <a:schemeClr val="accent1"/>
-          </a:fillRef>
-          <a:effectRef idx="0">
-            <a:schemeClr val="accent1"/>
-          </a:effectRef>
-          <a:fontRef idx="minor">
-            <a:schemeClr val="lt1"/>
-          </a:fontRef>
-        </p:style>
-        <p:txBody>
-          <a:bodyPr rtlCol="0" anchor="ctr"/>
-          <a:lstStyle/>
-          <a:p>
-            <a:pPr algn="ctr"/>
-            <a:endParaRPr lang="en-US"/>
-          </a:p>
-        </p:txBody>
-      </p:sp>
       <p:sp>
         <p:nvSpPr>
           <p:cNvPr id="2" name="Titel 1">
             <a:extLst>
               <a:ext uri="{FF2B5EF4-FFF2-40B4-BE49-F238E27FC236}">
-                <a16:creationId xmlns:a16="http://schemas.microsoft.com/office/drawing/2014/main" id="{384B6360-9277-3447-9068-3F57EFB83E5E}"/>
+                <a16:creationId xmlns:a16="http://schemas.microsoft.com/office/drawing/2014/main" id="{AEB5091C-BE97-D649-8F09-0255843A386B}"/>
               </a:ext>
             </a:extLst>
           </p:cNvPr>
@@ -6687,148 +7942,90 @@
             <p:ph type="title"/>
           </p:nvPr>
         </p:nvSpPr>
-        <p:spPr>
-          <a:xfrm>
-            <a:off x="990000" y="540000"/>
-            <a:ext cx="3528000" cy="2303213"/>
-          </a:xfrm>
-        </p:spPr>
-        <p:txBody>
-          <a:bodyPr anchor="ctr">
-            <a:normAutofit/>
-          </a:bodyPr>
-          <a:lstStyle/>
-          <a:p>
-            <a:pPr algn="ctr"/>
+        <p:spPr/>
+        <p:txBody>
+          <a:bodyPr/>
+          <a:lstStyle/>
+          <a:p>
             <a:r>
               <a:rPr lang="de-DE" dirty="0"/>
-              <a:t>Code Auszug: DEL Befehl</a:t>
-            </a:r>
-            <a:endParaRPr lang="de-DE"/>
-          </a:p>
-        </p:txBody>
-      </p:sp>
-      <p:cxnSp>
-        <p:nvCxnSpPr>
-          <p:cNvPr id="14" name="Straight Connector 13">
-            <a:extLst>
-              <a:ext uri="{FF2B5EF4-FFF2-40B4-BE49-F238E27FC236}">
-                <a16:creationId xmlns:a16="http://schemas.microsoft.com/office/drawing/2014/main" id="{3A513CAD-9784-4D35-BAF9-1F7DDD697BDB}"/>
-              </a:ext>
-              <a:ext uri="{C183D7F6-B498-43B3-948B-1728B52AA6E4}">
-                <adec:decorative xmlns:adec="http://schemas.microsoft.com/office/drawing/2017/decorative" val="1"/>
-              </a:ext>
-            </a:extLst>
-          </p:cNvPr>
-          <p:cNvCxnSpPr>
-            <a:cxnSpLocks noGrp="1" noRot="1" noChangeAspect="1" noMove="1" noResize="1" noEditPoints="1" noAdjustHandles="1" noChangeArrowheads="1" noChangeShapeType="1"/>
-          </p:cNvCxnSpPr>
-          <p:nvPr>
-            <p:extLst>
-              <p:ext uri="{386F3935-93C4-4BCD-93E2-E3B085C9AB24}">
-                <p16:designElem xmlns:p16="http://schemas.microsoft.com/office/powerpoint/2015/main" val="1"/>
-              </p:ext>
-            </p:extLst>
-          </p:nvPr>
-        </p:nvCxnSpPr>
-        <p:spPr>
-          <a:xfrm rot="5400000">
-            <a:off x="4714750" y="1691606"/>
-            <a:ext cx="540000" cy="0"/>
-          </a:xfrm>
-          <a:prstGeom prst="line">
-            <a:avLst/>
-          </a:prstGeom>
-          <a:ln w="12700">
-            <a:solidFill>
-              <a:srgbClr val="FFFFFF"/>
-            </a:solidFill>
-          </a:ln>
-        </p:spPr>
-        <p:style>
-          <a:lnRef idx="1">
-            <a:schemeClr val="accent1"/>
-          </a:lnRef>
-          <a:fillRef idx="0">
-            <a:schemeClr val="accent1"/>
-          </a:fillRef>
-          <a:effectRef idx="0">
-            <a:schemeClr val="accent1"/>
-          </a:effectRef>
-          <a:fontRef idx="minor">
-            <a:schemeClr val="tx1"/>
-          </a:fontRef>
-        </p:style>
-      </p:cxnSp>
-      <p:sp>
-        <p:nvSpPr>
-          <p:cNvPr id="9" name="Content Placeholder 8">
-            <a:extLst>
-              <a:ext uri="{FF2B5EF4-FFF2-40B4-BE49-F238E27FC236}">
-                <a16:creationId xmlns:a16="http://schemas.microsoft.com/office/drawing/2014/main" id="{2BE1C306-7D1A-40C1-961F-4CDDDC3ED232}"/>
-              </a:ext>
-            </a:extLst>
-          </p:cNvPr>
-          <p:cNvSpPr>
-            <a:spLocks noGrp="1"/>
-          </p:cNvSpPr>
-          <p:nvPr>
-            <p:ph idx="1"/>
-          </p:nvPr>
-        </p:nvSpPr>
-        <p:spPr>
-          <a:xfrm>
-            <a:off x="5543552" y="450000"/>
-            <a:ext cx="6107460" cy="2484000"/>
-          </a:xfrm>
-        </p:spPr>
-        <p:txBody>
-          <a:bodyPr anchor="ctr">
-            <a:normAutofit/>
-          </a:bodyPr>
-          <a:lstStyle/>
-          <a:p>
-            <a:r>
-              <a:rPr lang="de-DE" dirty="0"/>
-              <a:t>Falls die Datei gelockt ist, scheitern die Befehle und man bekommt eine Fehlermeldung “Datei gesperrt“.</a:t>
+              <a:t>Threads</a:t>
             </a:r>
           </a:p>
         </p:txBody>
       </p:sp>
       <p:pic>
         <p:nvPicPr>
-          <p:cNvPr id="5" name="Inhaltsplatzhalter 4" descr="Ein Bild, das Text enthält.&#10;&#10;Automatisch generierte Beschreibung">
-            <a:extLst>
-              <a:ext uri="{FF2B5EF4-FFF2-40B4-BE49-F238E27FC236}">
-                <a16:creationId xmlns:a16="http://schemas.microsoft.com/office/drawing/2014/main" id="{126B74DA-018B-024D-AB60-08008A951D1C}"/>
+          <p:cNvPr id="4" name="Inhaltsplatzhalter 3">
+            <a:extLst>
+              <a:ext uri="{FF2B5EF4-FFF2-40B4-BE49-F238E27FC236}">
+                <a16:creationId xmlns:a16="http://schemas.microsoft.com/office/drawing/2014/main" id="{E6159A98-6B24-8749-8C96-21C2A87BD0F7}"/>
               </a:ext>
             </a:extLst>
           </p:cNvPr>
           <p:cNvPicPr>
-            <a:picLocks noChangeAspect="1"/>
+            <a:picLocks noGrp="1" noChangeAspect="1"/>
           </p:cNvPicPr>
-          <p:nvPr/>
+          <p:nvPr>
+            <p:ph idx="1"/>
+          </p:nvPr>
         </p:nvPicPr>
         <p:blipFill>
-          <a:blip r:embed="rId2"/>
+          <a:blip r:embed="rId2">
+            <a:extLst>
+              <a:ext uri="{28A0092B-C50C-407E-A947-70E740481C1C}">
+                <a14:useLocalDpi xmlns:a14="http://schemas.microsoft.com/office/drawing/2010/main" val="0"/>
+              </a:ext>
+            </a:extLst>
+          </a:blip>
           <a:stretch>
             <a:fillRect/>
           </a:stretch>
         </p:blipFill>
         <p:spPr>
           <a:xfrm>
-            <a:off x="1621245" y="3429000"/>
-            <a:ext cx="8949861" cy="2886330"/>
+            <a:off x="1065402" y="1685924"/>
+            <a:ext cx="8432603" cy="5007239"/>
           </a:xfrm>
           <a:prstGeom prst="rect">
             <a:avLst/>
           </a:prstGeom>
+          <a:solidFill>
+            <a:srgbClr val="FFFFFF">
+              <a:shade val="85000"/>
+            </a:srgbClr>
+          </a:solidFill>
+          <a:ln w="88900" cap="sq">
+            <a:solidFill>
+              <a:srgbClr val="FFFFFF"/>
+            </a:solidFill>
+            <a:miter lim="800000"/>
+          </a:ln>
+          <a:effectLst>
+            <a:outerShdw blurRad="55000" dist="18000" dir="5400000" algn="tl" rotWithShape="0">
+              <a:srgbClr val="000000">
+                <a:alpha val="40000"/>
+              </a:srgbClr>
+            </a:outerShdw>
+          </a:effectLst>
+          <a:scene3d>
+            <a:camera prst="orthographicFront"/>
+            <a:lightRig rig="twoPt" dir="t">
+              <a:rot lat="0" lon="0" rev="7200000"/>
+            </a:lightRig>
+          </a:scene3d>
+          <a:sp3d>
+            <a:bevelT w="25400" h="19050"/>
+            <a:contourClr>
+              <a:srgbClr val="FFFFFF"/>
+            </a:contourClr>
+          </a:sp3d>
         </p:spPr>
       </p:pic>
     </p:spTree>
     <p:extLst>
       <p:ext uri="{BB962C8B-B14F-4D97-AF65-F5344CB8AC3E}">
-        <p14:creationId xmlns:p14="http://schemas.microsoft.com/office/powerpoint/2010/main" val="2434252395"/>
+        <p14:creationId xmlns:p14="http://schemas.microsoft.com/office/powerpoint/2010/main" val="2389419199"/>
       </p:ext>
     </p:extLst>
   </p:cSld>

--- a/Dokumente/BVS.pptx
+++ b/Dokumente/BVS.pptx
@@ -9,22 +9,20 @@
     <p:sldId id="257" r:id="rId3"/>
     <p:sldId id="274" r:id="rId4"/>
     <p:sldId id="275" r:id="rId5"/>
-    <p:sldId id="276" r:id="rId6"/>
-    <p:sldId id="277" r:id="rId7"/>
-    <p:sldId id="258" r:id="rId8"/>
-    <p:sldId id="259" r:id="rId9"/>
-    <p:sldId id="261" r:id="rId10"/>
-    <p:sldId id="262" r:id="rId11"/>
-    <p:sldId id="263" r:id="rId12"/>
-    <p:sldId id="270" r:id="rId13"/>
-    <p:sldId id="272" r:id="rId14"/>
-    <p:sldId id="264" r:id="rId15"/>
-    <p:sldId id="273" r:id="rId16"/>
-    <p:sldId id="265" r:id="rId17"/>
-    <p:sldId id="266" r:id="rId18"/>
-    <p:sldId id="267" r:id="rId19"/>
-    <p:sldId id="268" r:id="rId20"/>
-    <p:sldId id="269" r:id="rId21"/>
+    <p:sldId id="258" r:id="rId6"/>
+    <p:sldId id="259" r:id="rId7"/>
+    <p:sldId id="261" r:id="rId8"/>
+    <p:sldId id="262" r:id="rId9"/>
+    <p:sldId id="263" r:id="rId10"/>
+    <p:sldId id="270" r:id="rId11"/>
+    <p:sldId id="272" r:id="rId12"/>
+    <p:sldId id="264" r:id="rId13"/>
+    <p:sldId id="273" r:id="rId14"/>
+    <p:sldId id="265" r:id="rId15"/>
+    <p:sldId id="266" r:id="rId16"/>
+    <p:sldId id="267" r:id="rId17"/>
+    <p:sldId id="277" r:id="rId18"/>
+    <p:sldId id="269" r:id="rId19"/>
   </p:sldIdLst>
   <p:sldSz cx="12192000" cy="6858000"/>
   <p:notesSz cx="6858000" cy="9144000"/>
@@ -131,6 +129,15 @@
 </p:presentation>
 </file>
 
+<file path=ppt/revisionInfo.xml><?xml version="1.0" encoding="utf-8"?>
+<p1510:revInfo xmlns:a="http://schemas.openxmlformats.org/drawingml/2006/main" xmlns:r="http://schemas.openxmlformats.org/officeDocument/2006/relationships" xmlns:p1510="http://schemas.microsoft.com/office/powerpoint/2015/10/main">
+  <p1510:revLst>
+    <p1510:client id="{3768E232-22BC-91F5-9DAA-B9A3F527770A}" v="4" dt="2021-07-03T20:44:03.168"/>
+    <p1510:client id="{E5CA94FD-3C41-8793-0450-A9333AF3BCCB}" v="175" dt="2021-07-04T16:12:46.129"/>
+  </p1510:revLst>
+</p1510:revInfo>
+</file>
+
 <file path=ppt/slideLayouts/slideLayout1.xml><?xml version="1.0" encoding="utf-8"?>
 <p:sldLayout xmlns:a="http://schemas.openxmlformats.org/drawingml/2006/main" xmlns:r="http://schemas.openxmlformats.org/officeDocument/2006/relationships" xmlns:p="http://schemas.openxmlformats.org/presentationml/2006/main" type="title" preserve="1">
   <p:cSld name="Title Slide">
@@ -287,7 +294,7 @@
           <a:p>
             <a:fld id="{4EC743F4-8769-40B4-85DF-6CB8DE9F66AA}" type="datetimeFigureOut">
               <a:rPr lang="en-US" smtClean="0"/>
-              <a:t>7/3/2021</a:t>
+              <a:t>7/4/2021</a:t>
             </a:fld>
             <a:endParaRPr lang="en-US"/>
           </a:p>
@@ -830,7 +837,7 @@
           <a:p>
             <a:fld id="{4EC743F4-8769-40B4-85DF-6CB8DE9F66AA}" type="datetimeFigureOut">
               <a:rPr lang="en-US" smtClean="0"/>
-              <a:t>7/3/2021</a:t>
+              <a:t>7/4/2021</a:t>
             </a:fld>
             <a:endParaRPr lang="en-US"/>
           </a:p>
@@ -1038,7 +1045,7 @@
           <a:p>
             <a:fld id="{4EC743F4-8769-40B4-85DF-6CB8DE9F66AA}" type="datetimeFigureOut">
               <a:rPr lang="en-US" smtClean="0"/>
-              <a:t>7/3/2021</a:t>
+              <a:t>7/4/2021</a:t>
             </a:fld>
             <a:endParaRPr lang="en-US"/>
           </a:p>
@@ -1237,7 +1244,7 @@
           <a:p>
             <a:fld id="{4EC743F4-8769-40B4-85DF-6CB8DE9F66AA}" type="datetimeFigureOut">
               <a:rPr lang="en-US" smtClean="0"/>
-              <a:t>7/3/2021</a:t>
+              <a:t>7/4/2021</a:t>
             </a:fld>
             <a:endParaRPr lang="en-US"/>
           </a:p>
@@ -1520,7 +1527,7 @@
           <a:p>
             <a:fld id="{4EC743F4-8769-40B4-85DF-6CB8DE9F66AA}" type="datetimeFigureOut">
               <a:rPr lang="en-US" smtClean="0"/>
-              <a:t>7/3/2021</a:t>
+              <a:t>7/4/2021</a:t>
             </a:fld>
             <a:endParaRPr lang="en-US" dirty="0"/>
           </a:p>
@@ -2471,7 +2478,7 @@
           <a:p>
             <a:fld id="{4EC743F4-8769-40B4-85DF-6CB8DE9F66AA}" type="datetimeFigureOut">
               <a:rPr lang="en-US" smtClean="0"/>
-              <a:t>7/3/2021</a:t>
+              <a:t>7/4/2021</a:t>
             </a:fld>
             <a:endParaRPr lang="en-US"/>
           </a:p>
@@ -2890,7 +2897,7 @@
           <a:p>
             <a:fld id="{4EC743F4-8769-40B4-85DF-6CB8DE9F66AA}" type="datetimeFigureOut">
               <a:rPr lang="en-US" smtClean="0"/>
-              <a:t>7/3/2021</a:t>
+              <a:t>7/4/2021</a:t>
             </a:fld>
             <a:endParaRPr lang="en-US"/>
           </a:p>
@@ -3031,7 +3038,7 @@
           <a:p>
             <a:fld id="{4EC743F4-8769-40B4-85DF-6CB8DE9F66AA}" type="datetimeFigureOut">
               <a:rPr lang="en-US" smtClean="0"/>
-              <a:t>7/3/2021</a:t>
+              <a:t>7/4/2021</a:t>
             </a:fld>
             <a:endParaRPr lang="en-US"/>
           </a:p>
@@ -3144,7 +3151,7 @@
           <a:p>
             <a:fld id="{4EC743F4-8769-40B4-85DF-6CB8DE9F66AA}" type="datetimeFigureOut">
               <a:rPr lang="en-US" smtClean="0"/>
-              <a:t>7/3/2021</a:t>
+              <a:t>7/4/2021</a:t>
             </a:fld>
             <a:endParaRPr lang="en-US"/>
           </a:p>
@@ -3461,7 +3468,7 @@
           <a:p>
             <a:fld id="{4EC743F4-8769-40B4-85DF-6CB8DE9F66AA}" type="datetimeFigureOut">
               <a:rPr lang="en-US" smtClean="0"/>
-              <a:t>7/3/2021</a:t>
+              <a:t>7/4/2021</a:t>
             </a:fld>
             <a:endParaRPr lang="en-US"/>
           </a:p>
@@ -3806,7 +3813,7 @@
           <a:p>
             <a:fld id="{4EC743F4-8769-40B4-85DF-6CB8DE9F66AA}" type="datetimeFigureOut">
               <a:rPr lang="en-US" smtClean="0"/>
-              <a:t>7/3/2021</a:t>
+              <a:t>7/4/2021</a:t>
             </a:fld>
             <a:endParaRPr lang="en-US"/>
           </a:p>
@@ -4101,7 +4108,7 @@
             <a:fld id="{4EC743F4-8769-40B4-85DF-6CB8DE9F66AA}" type="datetimeFigureOut">
               <a:rPr lang="en-US" smtClean="0"/>
               <a:pPr/>
-              <a:t>7/3/2021</a:t>
+              <a:t>7/4/2021</a:t>
             </a:fld>
             <a:endParaRPr lang="en-US" dirty="0"/>
           </a:p>
@@ -4867,232 +4874,6 @@
           <p:cNvPr id="2" name="Titel 1">
             <a:extLst>
               <a:ext uri="{FF2B5EF4-FFF2-40B4-BE49-F238E27FC236}">
-                <a16:creationId xmlns:a16="http://schemas.microsoft.com/office/drawing/2014/main" id="{5DE51B34-B75C-7E44-9C0F-EBFE5105E148}"/>
-              </a:ext>
-            </a:extLst>
-          </p:cNvPr>
-          <p:cNvSpPr>
-            <a:spLocks noGrp="1"/>
-          </p:cNvSpPr>
-          <p:nvPr>
-            <p:ph type="title"/>
-          </p:nvPr>
-        </p:nvSpPr>
-        <p:spPr/>
-        <p:txBody>
-          <a:bodyPr/>
-          <a:lstStyle/>
-          <a:p>
-            <a:r>
-              <a:rPr lang="de-DE" dirty="0"/>
-              <a:t>Code Auszug: Asynchroner Schutz (Semaphoren)</a:t>
-            </a:r>
-          </a:p>
-        </p:txBody>
-      </p:sp>
-      <p:pic>
-        <p:nvPicPr>
-          <p:cNvPr id="7" name="Inhaltsplatzhalter 6" descr="Ein Bild, das Text enthält.&#10;&#10;Automatisch generierte Beschreibung">
-            <a:extLst>
-              <a:ext uri="{FF2B5EF4-FFF2-40B4-BE49-F238E27FC236}">
-                <a16:creationId xmlns:a16="http://schemas.microsoft.com/office/drawing/2014/main" id="{8B03E9B0-CB1D-FB4D-B201-5E54BB311B9B}"/>
-              </a:ext>
-            </a:extLst>
-          </p:cNvPr>
-          <p:cNvPicPr>
-            <a:picLocks noGrp="1" noChangeAspect="1"/>
-          </p:cNvPicPr>
-          <p:nvPr>
-            <p:ph idx="1"/>
-          </p:nvPr>
-        </p:nvPicPr>
-        <p:blipFill>
-          <a:blip r:embed="rId2"/>
-          <a:stretch>
-            <a:fillRect/>
-          </a:stretch>
-        </p:blipFill>
-        <p:spPr>
-          <a:xfrm>
-            <a:off x="1911350" y="3178969"/>
-            <a:ext cx="8369300" cy="1054100"/>
-          </a:xfrm>
-        </p:spPr>
-      </p:pic>
-    </p:spTree>
-    <p:extLst>
-      <p:ext uri="{BB962C8B-B14F-4D97-AF65-F5344CB8AC3E}">
-        <p14:creationId xmlns:p14="http://schemas.microsoft.com/office/powerpoint/2010/main" val="2104931142"/>
-      </p:ext>
-    </p:extLst>
-  </p:cSld>
-  <p:clrMapOvr>
-    <a:masterClrMapping/>
-  </p:clrMapOvr>
-</p:sld>
-</file>
-
-<file path=ppt/slides/slide11.xml><?xml version="1.0" encoding="utf-8"?>
-<p:sld xmlns:a="http://schemas.openxmlformats.org/drawingml/2006/main" xmlns:r="http://schemas.openxmlformats.org/officeDocument/2006/relationships" xmlns:p="http://schemas.openxmlformats.org/presentationml/2006/main">
-  <p:cSld>
-    <p:spTree>
-      <p:nvGrpSpPr>
-        <p:cNvPr id="1" name=""/>
-        <p:cNvGrpSpPr/>
-        <p:nvPr/>
-      </p:nvGrpSpPr>
-      <p:grpSpPr>
-        <a:xfrm>
-          <a:off x="0" y="0"/>
-          <a:ext cx="0" cy="0"/>
-          <a:chOff x="0" y="0"/>
-          <a:chExt cx="0" cy="0"/>
-        </a:xfrm>
-      </p:grpSpPr>
-      <p:sp>
-        <p:nvSpPr>
-          <p:cNvPr id="2" name="Titel 1">
-            <a:extLst>
-              <a:ext uri="{FF2B5EF4-FFF2-40B4-BE49-F238E27FC236}">
-                <a16:creationId xmlns:a16="http://schemas.microsoft.com/office/drawing/2014/main" id="{93C1CD93-B848-084F-BBA3-68B8F892F035}"/>
-              </a:ext>
-            </a:extLst>
-          </p:cNvPr>
-          <p:cNvSpPr>
-            <a:spLocks noGrp="1"/>
-          </p:cNvSpPr>
-          <p:nvPr>
-            <p:ph type="title"/>
-          </p:nvPr>
-        </p:nvSpPr>
-        <p:spPr/>
-        <p:txBody>
-          <a:bodyPr/>
-          <a:lstStyle/>
-          <a:p>
-            <a:r>
-              <a:rPr lang="de-DE" dirty="0"/>
-              <a:t>Code Auszug: PUT Befehl</a:t>
-            </a:r>
-          </a:p>
-        </p:txBody>
-      </p:sp>
-      <p:pic>
-        <p:nvPicPr>
-          <p:cNvPr id="5" name="Inhaltsplatzhalter 4" descr="Ein Bild, das Text enthält.&#10;&#10;Automatisch generierte Beschreibung">
-            <a:extLst>
-              <a:ext uri="{FF2B5EF4-FFF2-40B4-BE49-F238E27FC236}">
-                <a16:creationId xmlns:a16="http://schemas.microsoft.com/office/drawing/2014/main" id="{B01FD024-579F-E94E-A141-2A94C4012D08}"/>
-              </a:ext>
-            </a:extLst>
-          </p:cNvPr>
-          <p:cNvPicPr>
-            <a:picLocks noGrp="1" noChangeAspect="1"/>
-          </p:cNvPicPr>
-          <p:nvPr>
-            <p:ph idx="1"/>
-          </p:nvPr>
-        </p:nvPicPr>
-        <p:blipFill>
-          <a:blip r:embed="rId2"/>
-          <a:stretch>
-            <a:fillRect/>
-          </a:stretch>
-        </p:blipFill>
-        <p:spPr>
-          <a:xfrm>
-            <a:off x="1686488" y="1685925"/>
-            <a:ext cx="8819025" cy="4040188"/>
-          </a:xfrm>
-        </p:spPr>
-      </p:pic>
-      <p:sp>
-        <p:nvSpPr>
-          <p:cNvPr id="7" name="Rechteck 6">
-            <a:extLst>
-              <a:ext uri="{FF2B5EF4-FFF2-40B4-BE49-F238E27FC236}">
-                <a16:creationId xmlns:a16="http://schemas.microsoft.com/office/drawing/2014/main" id="{60A32F69-9442-4BFD-847C-0E51156893C9}"/>
-              </a:ext>
-            </a:extLst>
-          </p:cNvPr>
-          <p:cNvSpPr/>
-          <p:nvPr/>
-        </p:nvSpPr>
-        <p:spPr>
-          <a:xfrm>
-            <a:off x="2013358" y="2248250"/>
-            <a:ext cx="7961152" cy="243280"/>
-          </a:xfrm>
-          <a:prstGeom prst="rect">
-            <a:avLst/>
-          </a:prstGeom>
-          <a:noFill/>
-          <a:ln>
-            <a:solidFill>
-              <a:srgbClr val="FF0000"/>
-            </a:solidFill>
-          </a:ln>
-        </p:spPr>
-        <p:style>
-          <a:lnRef idx="2">
-            <a:schemeClr val="accent1">
-              <a:shade val="50000"/>
-            </a:schemeClr>
-          </a:lnRef>
-          <a:fillRef idx="1">
-            <a:schemeClr val="accent1"/>
-          </a:fillRef>
-          <a:effectRef idx="0">
-            <a:schemeClr val="accent1"/>
-          </a:effectRef>
-          <a:fontRef idx="minor">
-            <a:schemeClr val="lt1"/>
-          </a:fontRef>
-        </p:style>
-        <p:txBody>
-          <a:bodyPr rtlCol="0" anchor="ctr"/>
-          <a:lstStyle/>
-          <a:p>
-            <a:pPr algn="ctr"/>
-            <a:endParaRPr lang="de-DE"/>
-          </a:p>
-        </p:txBody>
-      </p:sp>
-    </p:spTree>
-    <p:extLst>
-      <p:ext uri="{BB962C8B-B14F-4D97-AF65-F5344CB8AC3E}">
-        <p14:creationId xmlns:p14="http://schemas.microsoft.com/office/powerpoint/2010/main" val="603552313"/>
-      </p:ext>
-    </p:extLst>
-  </p:cSld>
-  <p:clrMapOvr>
-    <a:masterClrMapping/>
-  </p:clrMapOvr>
-</p:sld>
-</file>
-
-<file path=ppt/slides/slide12.xml><?xml version="1.0" encoding="utf-8"?>
-<p:sld xmlns:a="http://schemas.openxmlformats.org/drawingml/2006/main" xmlns:r="http://schemas.openxmlformats.org/officeDocument/2006/relationships" xmlns:p="http://schemas.openxmlformats.org/presentationml/2006/main">
-  <p:cSld>
-    <p:spTree>
-      <p:nvGrpSpPr>
-        <p:cNvPr id="1" name=""/>
-        <p:cNvGrpSpPr/>
-        <p:nvPr/>
-      </p:nvGrpSpPr>
-      <p:grpSpPr>
-        <a:xfrm>
-          <a:off x="0" y="0"/>
-          <a:ext cx="0" cy="0"/>
-          <a:chOff x="0" y="0"/>
-          <a:chExt cx="0" cy="0"/>
-        </a:xfrm>
-      </p:grpSpPr>
-      <p:sp>
-        <p:nvSpPr>
-          <p:cNvPr id="2" name="Titel 1">
-            <a:extLst>
-              <a:ext uri="{FF2B5EF4-FFF2-40B4-BE49-F238E27FC236}">
                 <a16:creationId xmlns:a16="http://schemas.microsoft.com/office/drawing/2014/main" id="{93C1CD93-B848-084F-BBA3-68B8F892F035}"/>
               </a:ext>
             </a:extLst>
@@ -5210,7 +4991,7 @@
 </p:sld>
 </file>
 
-<file path=ppt/slides/slide13.xml><?xml version="1.0" encoding="utf-8"?>
+<file path=ppt/slides/slide11.xml><?xml version="1.0" encoding="utf-8"?>
 <p:sld xmlns:a="http://schemas.openxmlformats.org/drawingml/2006/main" xmlns:r="http://schemas.openxmlformats.org/officeDocument/2006/relationships" xmlns:p="http://schemas.openxmlformats.org/presentationml/2006/main">
   <p:cSld>
     <p:spTree>
@@ -5349,7 +5130,7 @@
 </p:sld>
 </file>
 
-<file path=ppt/slides/slide14.xml><?xml version="1.0" encoding="utf-8"?>
+<file path=ppt/slides/slide12.xml><?xml version="1.0" encoding="utf-8"?>
 <p:sld xmlns:a="http://schemas.openxmlformats.org/drawingml/2006/main" xmlns:r="http://schemas.openxmlformats.org/officeDocument/2006/relationships" xmlns:p="http://schemas.openxmlformats.org/presentationml/2006/main">
   <p:cSld>
     <p:spTree>
@@ -5488,7 +5269,7 @@
 </p:sld>
 </file>
 
-<file path=ppt/slides/slide15.xml><?xml version="1.0" encoding="utf-8"?>
+<file path=ppt/slides/slide13.xml><?xml version="1.0" encoding="utf-8"?>
 <p:sld xmlns:a="http://schemas.openxmlformats.org/drawingml/2006/main" xmlns:r="http://schemas.openxmlformats.org/officeDocument/2006/relationships" xmlns:p="http://schemas.openxmlformats.org/presentationml/2006/main">
   <p:cSld>
     <p:spTree>
@@ -5627,7 +5408,7 @@
 </p:sld>
 </file>
 
-<file path=ppt/slides/slide16.xml><?xml version="1.0" encoding="utf-8"?>
+<file path=ppt/slides/slide14.xml><?xml version="1.0" encoding="utf-8"?>
 <p:sld xmlns:a="http://schemas.openxmlformats.org/drawingml/2006/main" xmlns:r="http://schemas.openxmlformats.org/officeDocument/2006/relationships" xmlns:p="http://schemas.openxmlformats.org/presentationml/2006/main">
   <p:cSld>
     <p:bg>
@@ -5947,9 +5728,17 @@
 </p:sld>
 </file>
 
-<file path=ppt/slides/slide17.xml><?xml version="1.0" encoding="utf-8"?>
+<file path=ppt/slides/slide15.xml><?xml version="1.0" encoding="utf-8"?>
 <p:sld xmlns:a="http://schemas.openxmlformats.org/drawingml/2006/main" xmlns:r="http://schemas.openxmlformats.org/officeDocument/2006/relationships" xmlns:p="http://schemas.openxmlformats.org/presentationml/2006/main">
   <p:cSld>
+    <p:bg>
+      <p:bgPr>
+        <a:solidFill>
+          <a:schemeClr val="bg2"/>
+        </a:solidFill>
+        <a:effectLst/>
+      </p:bgPr>
+    </p:bg>
     <p:spTree>
       <p:nvGrpSpPr>
         <p:cNvPr id="1" name=""/>
@@ -5964,216 +5753,383 @@
           <a:chExt cx="0" cy="0"/>
         </a:xfrm>
       </p:grpSpPr>
-      <p:sp>
-        <p:nvSpPr>
-          <p:cNvPr id="2" name="Titel 1">
-            <a:extLst>
-              <a:ext uri="{FF2B5EF4-FFF2-40B4-BE49-F238E27FC236}">
-                <a16:creationId xmlns:a16="http://schemas.microsoft.com/office/drawing/2014/main" id="{AA1D0167-D80A-C841-942D-064A5D7A5F0E}"/>
-              </a:ext>
-            </a:extLst>
-          </p:cNvPr>
-          <p:cNvSpPr>
-            <a:spLocks noGrp="1"/>
-          </p:cNvSpPr>
-          <p:nvPr>
-            <p:ph type="title"/>
-          </p:nvPr>
-        </p:nvSpPr>
-        <p:spPr/>
-        <p:txBody>
-          <a:bodyPr/>
-          <a:lstStyle/>
-          <a:p>
-            <a:r>
-              <a:rPr lang="de-DE" dirty="0"/>
-              <a:t>Befehle BEG, END und SUB</a:t>
-            </a:r>
-          </a:p>
-        </p:txBody>
-      </p:sp>
-      <p:sp>
-        <p:nvSpPr>
-          <p:cNvPr id="4" name="Textplatzhalter 3">
-            <a:extLst>
-              <a:ext uri="{FF2B5EF4-FFF2-40B4-BE49-F238E27FC236}">
-                <a16:creationId xmlns:a16="http://schemas.microsoft.com/office/drawing/2014/main" id="{44E669E2-A9BF-8145-BBFA-68CE84F895AC}"/>
-              </a:ext>
-            </a:extLst>
-          </p:cNvPr>
-          <p:cNvSpPr>
-            <a:spLocks noGrp="1"/>
-          </p:cNvSpPr>
-          <p:nvPr>
-            <p:ph type="body" sz="half" idx="2"/>
+      <p:sp useBgFill="1">
+        <p:nvSpPr>
+          <p:cNvPr id="16" name="Rectangle 15">
+            <a:extLst>
+              <a:ext uri="{FF2B5EF4-FFF2-40B4-BE49-F238E27FC236}">
+                <a16:creationId xmlns:a16="http://schemas.microsoft.com/office/drawing/2014/main" id="{B65AA36A-D7CC-493C-A0EE-F8AC3564D17D}"/>
+              </a:ext>
+              <a:ext uri="{C183D7F6-B498-43B3-948B-1728B52AA6E4}">
+                <adec:decorative xmlns:adec="http://schemas.microsoft.com/office/drawing/2017/decorative" val="1"/>
+              </a:ext>
+            </a:extLst>
+          </p:cNvPr>
+          <p:cNvSpPr>
+            <a:spLocks noGrp="1" noRot="1" noChangeAspect="1" noMove="1" noResize="1" noEditPoints="1" noAdjustHandles="1" noChangeArrowheads="1" noChangeShapeType="1" noTextEdit="1"/>
+          </p:cNvSpPr>
+          <p:nvPr>
+            <p:extLst>
+              <p:ext uri="{386F3935-93C4-4BCD-93E2-E3B085C9AB24}">
+                <p16:designElem xmlns:p16="http://schemas.microsoft.com/office/powerpoint/2015/main" val="1"/>
+              </p:ext>
+            </p:extLst>
           </p:nvPr>
         </p:nvSpPr>
         <p:spPr>
           <a:xfrm>
-            <a:off x="990000" y="2584758"/>
-            <a:ext cx="3531600" cy="4054581"/>
-          </a:xfrm>
-        </p:spPr>
-        <p:txBody>
-          <a:bodyPr>
-            <a:normAutofit fontScale="92500" lnSpcReduction="20000"/>
-          </a:bodyPr>
-          <a:lstStyle/>
-          <a:p>
-            <a:pPr marL="342900" indent="-342900">
-              <a:buFont typeface="Arial" panose="020B0604020202020204" pitchFamily="34" charset="0"/>
-              <a:buChar char="•"/>
-            </a:pPr>
-            <a:r>
-              <a:rPr lang="de-DE" dirty="0"/>
-              <a:t>Wir schieben die </a:t>
-            </a:r>
-            <a:r>
-              <a:rPr lang="de-DE" dirty="0" err="1"/>
-              <a:t>SocketIDs</a:t>
-            </a:r>
-            <a:r>
-              <a:rPr lang="de-DE" dirty="0"/>
-              <a:t> in eine Datei. </a:t>
-            </a:r>
-          </a:p>
-          <a:p>
-            <a:pPr marL="342900" indent="-342900">
-              <a:buFont typeface="Arial" panose="020B0604020202020204" pitchFamily="34" charset="0"/>
-              <a:buChar char="•"/>
-            </a:pPr>
-            <a:r>
-              <a:rPr lang="de-DE" dirty="0"/>
-              <a:t>Diese Nutzen wir als „User“.</a:t>
-            </a:r>
-          </a:p>
-          <a:p>
-            <a:pPr marL="342900" indent="-342900">
-              <a:buFont typeface="Arial" panose="020B0604020202020204" pitchFamily="34" charset="0"/>
-              <a:buChar char="•"/>
-            </a:pPr>
-            <a:r>
-              <a:rPr lang="de-DE" dirty="0"/>
-              <a:t>Bei „</a:t>
-            </a:r>
-            <a:r>
-              <a:rPr lang="de-DE" dirty="0" err="1"/>
-              <a:t>OnDisconnect</a:t>
-            </a:r>
-            <a:r>
-              <a:rPr lang="de-DE" dirty="0"/>
-              <a:t>“ wird die automatisch aus allen Daten entfernt.</a:t>
-            </a:r>
-          </a:p>
-          <a:p>
-            <a:pPr marL="342900" indent="-342900">
-              <a:buFont typeface="Arial" panose="020B0604020202020204" pitchFamily="34" charset="0"/>
-              <a:buChar char="•"/>
-            </a:pPr>
-            <a:r>
-              <a:rPr lang="de-DE" dirty="0"/>
-              <a:t>Damit keine toten Blockaden entstehen.</a:t>
-            </a:r>
-          </a:p>
-          <a:p>
-            <a:pPr marL="342900" indent="-342900">
-              <a:buFont typeface="Arial" panose="020B0604020202020204" pitchFamily="34" charset="0"/>
-              <a:buChar char="•"/>
-            </a:pPr>
-            <a:endParaRPr lang="de-DE" dirty="0"/>
-          </a:p>
-        </p:txBody>
-      </p:sp>
-      <p:pic>
-        <p:nvPicPr>
-          <p:cNvPr id="9" name="Bildplatzhalter 8">
-            <a:extLst>
-              <a:ext uri="{FF2B5EF4-FFF2-40B4-BE49-F238E27FC236}">
-                <a16:creationId xmlns:a16="http://schemas.microsoft.com/office/drawing/2014/main" id="{603B9B46-266A-FE4C-9ADC-8A6EB17A2D0A}"/>
-              </a:ext>
-            </a:extLst>
-          </p:cNvPr>
-          <p:cNvPicPr>
-            <a:picLocks noGrp="1" noChangeAspect="1"/>
-          </p:cNvPicPr>
-          <p:nvPr>
-            <p:ph type="pic" idx="1"/>
-          </p:nvPr>
-        </p:nvPicPr>
-        <p:blipFill>
-          <a:blip r:embed="rId2"/>
-          <a:srcRect l="25022" r="25022"/>
-          <a:stretch>
-            <a:fillRect/>
-          </a:stretch>
-        </p:blipFill>
-        <p:spPr>
-          <a:prstGeom prst="rect">
-            <a:avLst/>
-          </a:prstGeom>
-          <a:ln>
-            <a:noFill/>
-          </a:ln>
-          <a:effectLst>
-            <a:softEdge rad="112500"/>
-          </a:effectLst>
-        </p:spPr>
-      </p:pic>
-      <p:sp>
-        <p:nvSpPr>
-          <p:cNvPr id="3" name="Textfeld 2">
-            <a:extLst>
-              <a:ext uri="{FF2B5EF4-FFF2-40B4-BE49-F238E27FC236}">
-                <a16:creationId xmlns:a16="http://schemas.microsoft.com/office/drawing/2014/main" id="{2BCE447F-63CD-4294-A6C9-DAF62DF00D8F}"/>
-              </a:ext>
-            </a:extLst>
-          </p:cNvPr>
-          <p:cNvSpPr txBox="1"/>
-          <p:nvPr/>
-        </p:nvSpPr>
-        <p:spPr>
-          <a:xfrm>
-            <a:off x="6837028" y="3325803"/>
-            <a:ext cx="3305262" cy="369332"/>
+            <a:off x="0" y="0"/>
+            <a:ext cx="12192000" cy="6858000"/>
           </a:xfrm>
           <a:prstGeom prst="rect">
             <a:avLst/>
           </a:prstGeom>
-          <a:noFill/>
-          <a:ln>
+          <a:ln w="12700" cap="flat" cmpd="sng" algn="ctr">
             <a:noFill/>
+            <a:prstDash val="solid"/>
+            <a:miter lim="800000"/>
+          </a:ln>
+          <a:effectLst/>
+          <a:extLst>
+            <a:ext uri="{91240B29-F687-4F45-9708-019B960494DF}">
+              <a14:hiddenLine xmlns:a14="http://schemas.microsoft.com/office/drawing/2010/main" w="12700" cap="flat" cmpd="sng" algn="ctr">
+                <a:solidFill>
+                  <a:schemeClr val="accent1">
+                    <a:shade val="50000"/>
+                  </a:schemeClr>
+                </a:solidFill>
+                <a:prstDash val="solid"/>
+                <a:miter lim="800000"/>
+              </a14:hiddenLine>
+            </a:ext>
+          </a:extLst>
+        </p:spPr>
+        <p:style>
+          <a:lnRef idx="2">
+            <a:schemeClr val="accent1">
+              <a:shade val="50000"/>
+            </a:schemeClr>
+          </a:lnRef>
+          <a:fillRef idx="1">
+            <a:schemeClr val="accent1"/>
+          </a:fillRef>
+          <a:effectRef idx="0">
+            <a:schemeClr val="accent1"/>
+          </a:effectRef>
+          <a:fontRef idx="minor">
+            <a:schemeClr val="lt1"/>
+          </a:fontRef>
+        </p:style>
+        <p:txBody>
+          <a:bodyPr rtlCol="0" anchor="ctr"/>
+          <a:lstStyle/>
+          <a:p>
+            <a:pPr algn="ctr"/>
+            <a:endParaRPr lang="en-US"/>
+          </a:p>
+        </p:txBody>
+      </p:sp>
+      <p:sp>
+        <p:nvSpPr>
+          <p:cNvPr id="2" name="Titel 1">
+            <a:extLst>
+              <a:ext uri="{FF2B5EF4-FFF2-40B4-BE49-F238E27FC236}">
+                <a16:creationId xmlns:a16="http://schemas.microsoft.com/office/drawing/2014/main" id="{AA1D0167-D80A-C841-942D-064A5D7A5F0E}"/>
+              </a:ext>
+            </a:extLst>
+          </p:cNvPr>
+          <p:cNvSpPr>
+            <a:spLocks noGrp="1"/>
+          </p:cNvSpPr>
+          <p:nvPr>
+            <p:ph type="title"/>
+          </p:nvPr>
+        </p:nvSpPr>
+        <p:spPr>
+          <a:xfrm>
+            <a:off x="7766050" y="395289"/>
+            <a:ext cx="3886200" cy="1594290"/>
+          </a:xfrm>
+        </p:spPr>
+        <p:txBody>
+          <a:bodyPr vert="horz" wrap="square" lIns="91440" tIns="45720" rIns="91440" bIns="45720" rtlCol="0" anchor="b" anchorCtr="0">
+            <a:normAutofit/>
+          </a:bodyPr>
+          <a:lstStyle/>
+          <a:p>
+            <a:pPr algn="ctr"/>
+            <a:r>
+              <a:rPr lang="en-US" sz="3200" kern="1200" cap="none" spc="0" baseline="0">
+                <a:solidFill>
+                  <a:schemeClr val="tx1"/>
+                </a:solidFill>
+                <a:latin typeface="+mj-lt"/>
+                <a:ea typeface="+mj-ea"/>
+                <a:cs typeface="+mj-cs"/>
+              </a:rPr>
+              <a:t>Befehle BEG, END und SUB</a:t>
+            </a:r>
+          </a:p>
+        </p:txBody>
+      </p:sp>
+      <p:pic>
+        <p:nvPicPr>
+          <p:cNvPr id="11" name="Grafik 11">
+            <a:extLst>
+              <a:ext uri="{FF2B5EF4-FFF2-40B4-BE49-F238E27FC236}">
+                <a16:creationId xmlns:a16="http://schemas.microsoft.com/office/drawing/2014/main" id="{F20A668C-AC99-4CA6-90B4-6859F85C05DA}"/>
+              </a:ext>
+            </a:extLst>
+          </p:cNvPr>
+          <p:cNvPicPr>
+            <a:picLocks noGrp="1" noChangeAspect="1"/>
+          </p:cNvPicPr>
+          <p:nvPr>
+            <p:ph type="pic" idx="1"/>
+          </p:nvPr>
+        </p:nvPicPr>
+        <p:blipFill rotWithShape="1">
+          <a:blip r:embed="rId2"/>
+          <a:srcRect r="44790"/>
+          <a:stretch/>
+        </p:blipFill>
+        <p:spPr>
+          <a:xfrm>
+            <a:off x="20" y="10"/>
+            <a:ext cx="7211993" cy="6857990"/>
+          </a:xfrm>
+          <a:prstGeom prst="rect">
+            <a:avLst/>
+          </a:prstGeom>
+        </p:spPr>
+      </p:pic>
+      <p:cxnSp>
+        <p:nvCxnSpPr>
+          <p:cNvPr id="18" name="Straight Connector 17">
+            <a:extLst>
+              <a:ext uri="{FF2B5EF4-FFF2-40B4-BE49-F238E27FC236}">
+                <a16:creationId xmlns:a16="http://schemas.microsoft.com/office/drawing/2014/main" id="{E1C2E33F-4B1D-4F8B-B721-96313EA29404}"/>
+              </a:ext>
+              <a:ext uri="{C183D7F6-B498-43B3-948B-1728B52AA6E4}">
+                <adec:decorative xmlns:adec="http://schemas.microsoft.com/office/drawing/2017/decorative" val="1"/>
+              </a:ext>
+            </a:extLst>
+          </p:cNvPr>
+          <p:cNvCxnSpPr>
+            <a:cxnSpLocks noGrp="1" noRot="1" noChangeAspect="1" noMove="1" noResize="1" noEditPoints="1" noAdjustHandles="1" noChangeArrowheads="1" noChangeShapeType="1"/>
+          </p:cNvCxnSpPr>
+          <p:nvPr>
+            <p:extLst>
+              <p:ext uri="{386F3935-93C4-4BCD-93E2-E3B085C9AB24}">
+                <p16:designElem xmlns:p16="http://schemas.microsoft.com/office/powerpoint/2015/main" val="1"/>
+              </p:ext>
+            </p:extLst>
+          </p:nvPr>
+        </p:nvCxnSpPr>
+        <p:spPr>
+          <a:xfrm>
+            <a:off x="9439150" y="2428148"/>
+            <a:ext cx="540000" cy="0"/>
+          </a:xfrm>
+          <a:prstGeom prst="line">
+            <a:avLst/>
+          </a:prstGeom>
+          <a:ln w="12700">
+            <a:solidFill>
+              <a:srgbClr val="FFFFFF"/>
+            </a:solidFill>
           </a:ln>
         </p:spPr>
-        <p:txBody>
-          <a:bodyPr wrap="square" rtlCol="0">
-            <a:spAutoFit/>
+        <p:style>
+          <a:lnRef idx="1">
+            <a:schemeClr val="accent1"/>
+          </a:lnRef>
+          <a:fillRef idx="0">
+            <a:schemeClr val="accent1"/>
+          </a:fillRef>
+          <a:effectRef idx="0">
+            <a:schemeClr val="accent1"/>
+          </a:effectRef>
+          <a:fontRef idx="minor">
+            <a:schemeClr val="tx1"/>
+          </a:fontRef>
+        </p:style>
+      </p:cxnSp>
+      <p:sp>
+        <p:nvSpPr>
+          <p:cNvPr id="4" name="Textplatzhalter 3">
+            <a:extLst>
+              <a:ext uri="{FF2B5EF4-FFF2-40B4-BE49-F238E27FC236}">
+                <a16:creationId xmlns:a16="http://schemas.microsoft.com/office/drawing/2014/main" id="{44E669E2-A9BF-8145-BBFA-68CE84F895AC}"/>
+              </a:ext>
+            </a:extLst>
+          </p:cNvPr>
+          <p:cNvSpPr>
+            <a:spLocks noGrp="1"/>
+          </p:cNvSpPr>
+          <p:nvPr>
+            <p:ph type="body" sz="half" idx="2"/>
+          </p:nvPr>
+        </p:nvSpPr>
+        <p:spPr>
+          <a:xfrm>
+            <a:off x="8172006" y="2877018"/>
+            <a:ext cx="3060000" cy="2938561"/>
+          </a:xfrm>
+        </p:spPr>
+        <p:txBody>
+          <a:bodyPr vert="horz" lIns="91440" tIns="45720" rIns="91440" bIns="45720" rtlCol="0">
+            <a:normAutofit/>
           </a:bodyPr>
           <a:lstStyle/>
           <a:p>
-            <a:r>
-              <a:rPr lang="de-DE" dirty="0">
-                <a:solidFill>
-                  <a:srgbClr val="FF0000"/>
-                </a:solidFill>
-              </a:rPr>
-              <a:t>Bessere </a:t>
-            </a:r>
-            <a:r>
-              <a:rPr lang="de-DE" dirty="0" err="1">
-                <a:solidFill>
-                  <a:srgbClr val="FF0000"/>
-                </a:solidFill>
-              </a:rPr>
-              <a:t>Qualli</a:t>
-            </a:r>
-            <a:endParaRPr lang="de-DE" dirty="0">
-              <a:solidFill>
-                <a:srgbClr val="FF0000"/>
-              </a:solidFill>
-            </a:endParaRPr>
-          </a:p>
-        </p:txBody>
-      </p:sp>
+            <a:pPr marL="342900" indent="-342900">
+              <a:lnSpc>
+                <a:spcPct val="140000"/>
+              </a:lnSpc>
+              <a:buFont typeface="Arial" panose="020B0604020202020204" pitchFamily="34" charset="0"/>
+              <a:buChar char="•"/>
+            </a:pPr>
+            <a:r>
+              <a:rPr lang="en-US" sz="1400"/>
+              <a:t>Wir schieben die SocketIDs in eine Datei. </a:t>
+            </a:r>
+          </a:p>
+          <a:p>
+            <a:pPr marL="342900" indent="-342900">
+              <a:lnSpc>
+                <a:spcPct val="140000"/>
+              </a:lnSpc>
+              <a:buFont typeface="Arial" panose="020B0604020202020204" pitchFamily="34" charset="0"/>
+              <a:buChar char="•"/>
+            </a:pPr>
+            <a:r>
+              <a:rPr lang="en-US" sz="1400"/>
+              <a:t>Diese Nutzen wir als „User“.</a:t>
+            </a:r>
+          </a:p>
+          <a:p>
+            <a:pPr marL="342900" indent="-342900">
+              <a:lnSpc>
+                <a:spcPct val="140000"/>
+              </a:lnSpc>
+              <a:buFont typeface="Arial" panose="020B0604020202020204" pitchFamily="34" charset="0"/>
+              <a:buChar char="•"/>
+            </a:pPr>
+            <a:r>
+              <a:rPr lang="en-US" sz="1400"/>
+              <a:t>Bei „OnDisconnect“ wird die automatisch aus allen Daten entfernt.</a:t>
+            </a:r>
+          </a:p>
+          <a:p>
+            <a:pPr marL="342900" indent="-342900">
+              <a:lnSpc>
+                <a:spcPct val="140000"/>
+              </a:lnSpc>
+              <a:buFont typeface="Arial" panose="020B0604020202020204" pitchFamily="34" charset="0"/>
+              <a:buChar char="•"/>
+            </a:pPr>
+            <a:r>
+              <a:rPr lang="en-US" sz="1400"/>
+              <a:t>Damit keine toten Blockaden entstehen.</a:t>
+            </a:r>
+          </a:p>
+          <a:p>
+            <a:pPr marL="342900" indent="-342900">
+              <a:lnSpc>
+                <a:spcPct val="140000"/>
+              </a:lnSpc>
+              <a:buFont typeface="Arial" panose="020B0604020202020204" pitchFamily="34" charset="0"/>
+              <a:buChar char="•"/>
+            </a:pPr>
+            <a:endParaRPr lang="en-US" sz="1400"/>
+          </a:p>
+        </p:txBody>
+      </p:sp>
+      <p:cxnSp>
+        <p:nvCxnSpPr>
+          <p:cNvPr id="15" name="Gerade Verbindung mit Pfeil 14">
+            <a:extLst>
+              <a:ext uri="{FF2B5EF4-FFF2-40B4-BE49-F238E27FC236}">
+                <a16:creationId xmlns:a16="http://schemas.microsoft.com/office/drawing/2014/main" id="{5463A99B-C15B-4A15-98B8-73407C13C065}"/>
+              </a:ext>
+            </a:extLst>
+          </p:cNvPr>
+          <p:cNvCxnSpPr/>
+          <p:nvPr/>
+        </p:nvCxnSpPr>
+        <p:spPr>
+          <a:xfrm>
+            <a:off x="364041" y="1321187"/>
+            <a:ext cx="1022194" cy="0"/>
+          </a:xfrm>
+          <a:prstGeom prst="straightConnector1">
+            <a:avLst/>
+          </a:prstGeom>
+          <a:ln>
+            <a:solidFill>
+              <a:srgbClr val="FF0000"/>
+            </a:solidFill>
+          </a:ln>
+        </p:spPr>
+        <p:style>
+          <a:lnRef idx="1">
+            <a:schemeClr val="dk1"/>
+          </a:lnRef>
+          <a:fillRef idx="0">
+            <a:schemeClr val="dk1"/>
+          </a:fillRef>
+          <a:effectRef idx="0">
+            <a:schemeClr val="dk1"/>
+          </a:effectRef>
+          <a:fontRef idx="minor">
+            <a:schemeClr val="tx1"/>
+          </a:fontRef>
+        </p:style>
+      </p:cxnSp>
+      <p:cxnSp>
+        <p:nvCxnSpPr>
+          <p:cNvPr id="19" name="Gerade Verbindung mit Pfeil 18">
+            <a:extLst>
+              <a:ext uri="{FF2B5EF4-FFF2-40B4-BE49-F238E27FC236}">
+                <a16:creationId xmlns:a16="http://schemas.microsoft.com/office/drawing/2014/main" id="{7482B7B0-1141-45B1-A17B-4FCFA1B4E8DE}"/>
+              </a:ext>
+            </a:extLst>
+          </p:cNvPr>
+          <p:cNvCxnSpPr>
+            <a:cxnSpLocks/>
+          </p:cNvCxnSpPr>
+          <p:nvPr/>
+        </p:nvCxnSpPr>
+        <p:spPr>
+          <a:xfrm>
+            <a:off x="3672236" y="1451284"/>
+            <a:ext cx="1022194" cy="0"/>
+          </a:xfrm>
+          <a:prstGeom prst="straightConnector1">
+            <a:avLst/>
+          </a:prstGeom>
+          <a:ln>
+            <a:solidFill>
+              <a:srgbClr val="FF0000"/>
+            </a:solidFill>
+          </a:ln>
+        </p:spPr>
+        <p:style>
+          <a:lnRef idx="1">
+            <a:schemeClr val="dk1"/>
+          </a:lnRef>
+          <a:fillRef idx="0">
+            <a:schemeClr val="dk1"/>
+          </a:fillRef>
+          <a:effectRef idx="0">
+            <a:schemeClr val="dk1"/>
+          </a:effectRef>
+          <a:fontRef idx="minor">
+            <a:schemeClr val="tx1"/>
+          </a:fontRef>
+        </p:style>
+      </p:cxnSp>
     </p:spTree>
     <p:extLst>
       <p:ext uri="{BB962C8B-B14F-4D97-AF65-F5344CB8AC3E}">
@@ -6187,7 +6143,7 @@
 </p:sld>
 </file>
 
-<file path=ppt/slides/slide18.xml><?xml version="1.0" encoding="utf-8"?>
+<file path=ppt/slides/slide16.xml><?xml version="1.0" encoding="utf-8"?>
 <p:sld xmlns:a="http://schemas.openxmlformats.org/drawingml/2006/main" xmlns:r="http://schemas.openxmlformats.org/officeDocument/2006/relationships" xmlns:p="http://schemas.openxmlformats.org/presentationml/2006/main">
   <p:cSld>
     <p:spTree>
@@ -6274,7 +6230,7 @@
 </p:sld>
 </file>
 
-<file path=ppt/slides/slide19.xml><?xml version="1.0" encoding="utf-8"?>
+<file path=ppt/slides/slide17.xml><?xml version="1.0" encoding="utf-8"?>
 <p:sld xmlns:a="http://schemas.openxmlformats.org/drawingml/2006/main" xmlns:r="http://schemas.openxmlformats.org/officeDocument/2006/relationships" xmlns:p="http://schemas.openxmlformats.org/presentationml/2006/main">
   <p:cSld>
     <p:spTree>
@@ -6296,7 +6252,7 @@
           <p:cNvPr id="2" name="Titel 1">
             <a:extLst>
               <a:ext uri="{FF2B5EF4-FFF2-40B4-BE49-F238E27FC236}">
-                <a16:creationId xmlns:a16="http://schemas.microsoft.com/office/drawing/2014/main" id="{47D221D0-C857-4146-B82A-4F88DBFEEFA3}"/>
+                <a16:creationId xmlns:a16="http://schemas.microsoft.com/office/drawing/2014/main" id="{4BD865C4-519C-404E-B8E6-435095E83D98}"/>
               </a:ext>
             </a:extLst>
           </p:cNvPr>
@@ -6314,141 +6270,131 @@
           <a:p>
             <a:r>
               <a:rPr lang="de-DE" dirty="0"/>
-              <a:t>Unser Bonus	</a:t>
-            </a:r>
-          </a:p>
-        </p:txBody>
-      </p:sp>
-      <p:sp>
-        <p:nvSpPr>
-          <p:cNvPr id="3" name="Inhaltsplatzhalter 2">
-            <a:extLst>
-              <a:ext uri="{FF2B5EF4-FFF2-40B4-BE49-F238E27FC236}">
-                <a16:creationId xmlns:a16="http://schemas.microsoft.com/office/drawing/2014/main" id="{68F5CFFA-2208-054B-BB0F-97E74AA9DC0F}"/>
-              </a:ext>
-            </a:extLst>
-          </p:cNvPr>
-          <p:cNvSpPr>
-            <a:spLocks noGrp="1"/>
-          </p:cNvSpPr>
-          <p:nvPr>
-            <p:ph idx="1"/>
-          </p:nvPr>
-        </p:nvSpPr>
-        <p:spPr/>
-        <p:txBody>
-          <a:bodyPr/>
-          <a:lstStyle/>
-          <a:p>
-            <a:r>
-              <a:rPr lang="de-DE" dirty="0"/>
-              <a:t>Tests</a:t>
-            </a:r>
-          </a:p>
-          <a:p>
-            <a:r>
-              <a:rPr lang="de-DE" dirty="0"/>
-              <a:t>Color Printer</a:t>
-            </a:r>
-          </a:p>
-        </p:txBody>
-      </p:sp>
-      <p:sp>
-        <p:nvSpPr>
-          <p:cNvPr id="4" name="Textfeld 3">
-            <a:extLst>
-              <a:ext uri="{FF2B5EF4-FFF2-40B4-BE49-F238E27FC236}">
-                <a16:creationId xmlns:a16="http://schemas.microsoft.com/office/drawing/2014/main" id="{738DA306-5DC7-42BF-B2CB-A72C4A3C046F}"/>
-              </a:ext>
-            </a:extLst>
-          </p:cNvPr>
-          <p:cNvSpPr txBox="1"/>
-          <p:nvPr/>
-        </p:nvSpPr>
+              <a:t>Unser Bonus / Tests</a:t>
+            </a:r>
+          </a:p>
+        </p:txBody>
+      </p:sp>
+      <p:pic>
+        <p:nvPicPr>
+          <p:cNvPr id="14" name="Grafik 14" descr="Ein Bild, das Text enthält.&#10;&#10;Beschreibung automatisch generiert.">
+            <a:extLst>
+              <a:ext uri="{FF2B5EF4-FFF2-40B4-BE49-F238E27FC236}">
+                <a16:creationId xmlns:a16="http://schemas.microsoft.com/office/drawing/2014/main" id="{C4605A8A-526E-4466-8374-32B227294DCC}"/>
+              </a:ext>
+            </a:extLst>
+          </p:cNvPr>
+          <p:cNvPicPr>
+            <a:picLocks noGrp="1" noChangeAspect="1"/>
+          </p:cNvPicPr>
+          <p:nvPr>
+            <p:ph sz="half" idx="2"/>
+          </p:nvPr>
+        </p:nvPicPr>
+        <p:blipFill>
+          <a:blip r:embed="rId2"/>
+          <a:stretch>
+            <a:fillRect/>
+          </a:stretch>
+        </p:blipFill>
         <p:spPr>
           <a:xfrm>
-            <a:off x="6260945" y="1496423"/>
-            <a:ext cx="5690915" cy="369332"/>
+            <a:off x="6580861" y="3107488"/>
+            <a:ext cx="4928400" cy="1305206"/>
           </a:xfrm>
-          <a:prstGeom prst="rect">
-            <a:avLst/>
-          </a:prstGeom>
-          <a:noFill/>
-          <a:ln>
-            <a:noFill/>
-          </a:ln>
         </p:spPr>
-        <p:txBody>
-          <a:bodyPr wrap="square" rtlCol="0">
-            <a:spAutoFit/>
-          </a:bodyPr>
-          <a:lstStyle/>
-          <a:p>
-            <a:r>
-              <a:rPr lang="de-DE" dirty="0">
-                <a:solidFill>
-                  <a:srgbClr val="FF0000"/>
-                </a:solidFill>
-              </a:rPr>
-              <a:t>Ausgeführte Tests Bild</a:t>
-            </a:r>
-          </a:p>
-        </p:txBody>
-      </p:sp>
-      <p:sp>
-        <p:nvSpPr>
-          <p:cNvPr id="5" name="Textfeld 4">
-            <a:extLst>
-              <a:ext uri="{FF2B5EF4-FFF2-40B4-BE49-F238E27FC236}">
-                <a16:creationId xmlns:a16="http://schemas.microsoft.com/office/drawing/2014/main" id="{D32AE7C0-DF3C-451D-B18A-E78C0D19386D}"/>
-              </a:ext>
-            </a:extLst>
-          </p:cNvPr>
-          <p:cNvSpPr txBox="1"/>
-          <p:nvPr/>
-        </p:nvSpPr>
+      </p:pic>
+      <p:pic>
+        <p:nvPicPr>
+          <p:cNvPr id="15" name="Grafik 15" descr="Ein Bild, das Text enthält.&#10;&#10;Beschreibung automatisch generiert.">
+            <a:extLst>
+              <a:ext uri="{FF2B5EF4-FFF2-40B4-BE49-F238E27FC236}">
+                <a16:creationId xmlns:a16="http://schemas.microsoft.com/office/drawing/2014/main" id="{3879710E-38C1-4F72-B1FB-953198AD5D74}"/>
+              </a:ext>
+            </a:extLst>
+          </p:cNvPr>
+          <p:cNvPicPr>
+            <a:picLocks noGrp="1" noChangeAspect="1"/>
+          </p:cNvPicPr>
+          <p:nvPr>
+            <p:ph sz="half" idx="1"/>
+          </p:nvPr>
+        </p:nvPicPr>
+        <p:blipFill>
+          <a:blip r:embed="rId3"/>
+          <a:stretch>
+            <a:fillRect/>
+          </a:stretch>
+        </p:blipFill>
         <p:spPr>
           <a:xfrm>
-            <a:off x="5291904" y="3624239"/>
-            <a:ext cx="5690915" cy="369332"/>
+            <a:off x="989400" y="1982750"/>
+            <a:ext cx="5467375" cy="3879925"/>
           </a:xfrm>
-          <a:prstGeom prst="rect">
-            <a:avLst/>
-          </a:prstGeom>
-          <a:noFill/>
-          <a:ln>
-            <a:noFill/>
-          </a:ln>
         </p:spPr>
-        <p:txBody>
-          <a:bodyPr wrap="square" rtlCol="0">
-            <a:spAutoFit/>
-          </a:bodyPr>
-          <a:lstStyle/>
-          <a:p>
-            <a:r>
-              <a:rPr lang="de-DE" dirty="0" err="1">
-                <a:solidFill>
-                  <a:srgbClr val="FF0000"/>
-                </a:solidFill>
-              </a:rPr>
-              <a:t>Console</a:t>
-            </a:r>
-            <a:r>
-              <a:rPr lang="de-DE" dirty="0">
-                <a:solidFill>
-                  <a:srgbClr val="FF0000"/>
-                </a:solidFill>
-              </a:rPr>
-              <a:t> unser Programm Bild (farbig)</a:t>
-            </a:r>
-          </a:p>
-        </p:txBody>
-      </p:sp>
+      </p:pic>
     </p:spTree>
     <p:extLst>
       <p:ext uri="{BB962C8B-B14F-4D97-AF65-F5344CB8AC3E}">
-        <p14:creationId xmlns:p14="http://schemas.microsoft.com/office/powerpoint/2010/main" val="3373302966"/>
+        <p14:creationId xmlns:p14="http://schemas.microsoft.com/office/powerpoint/2010/main" val="2134562111"/>
+      </p:ext>
+    </p:extLst>
+  </p:cSld>
+  <p:clrMapOvr>
+    <a:masterClrMapping/>
+  </p:clrMapOvr>
+</p:sld>
+</file>
+
+<file path=ppt/slides/slide18.xml><?xml version="1.0" encoding="utf-8"?>
+<p:sld xmlns:a="http://schemas.openxmlformats.org/drawingml/2006/main" xmlns:r="http://schemas.openxmlformats.org/officeDocument/2006/relationships" xmlns:p="http://schemas.openxmlformats.org/presentationml/2006/main">
+  <p:cSld>
+    <p:spTree>
+      <p:nvGrpSpPr>
+        <p:cNvPr id="1" name=""/>
+        <p:cNvGrpSpPr/>
+        <p:nvPr/>
+      </p:nvGrpSpPr>
+      <p:grpSpPr>
+        <a:xfrm>
+          <a:off x="0" y="0"/>
+          <a:ext cx="0" cy="0"/>
+          <a:chOff x="0" y="0"/>
+          <a:chExt cx="0" cy="0"/>
+        </a:xfrm>
+      </p:grpSpPr>
+      <p:sp>
+        <p:nvSpPr>
+          <p:cNvPr id="2" name="Titel 1">
+            <a:extLst>
+              <a:ext uri="{FF2B5EF4-FFF2-40B4-BE49-F238E27FC236}">
+                <a16:creationId xmlns:a16="http://schemas.microsoft.com/office/drawing/2014/main" id="{F268A1AC-98ED-8043-8EE4-7B536D365BF2}"/>
+              </a:ext>
+            </a:extLst>
+          </p:cNvPr>
+          <p:cNvSpPr>
+            <a:spLocks noGrp="1"/>
+          </p:cNvSpPr>
+          <p:nvPr>
+            <p:ph type="ctrTitle"/>
+          </p:nvPr>
+        </p:nvSpPr>
+        <p:spPr/>
+        <p:txBody>
+          <a:bodyPr/>
+          <a:lstStyle/>
+          <a:p>
+            <a:r>
+              <a:rPr lang="de-DE" dirty="0"/>
+              <a:t>Danke für eure Aufmerksamkeit</a:t>
+            </a:r>
+          </a:p>
+        </p:txBody>
+      </p:sp>
+    </p:spTree>
+    <p:extLst>
+      <p:ext uri="{BB962C8B-B14F-4D97-AF65-F5344CB8AC3E}">
+        <p14:creationId xmlns:p14="http://schemas.microsoft.com/office/powerpoint/2010/main" val="546379655"/>
       </p:ext>
     </p:extLst>
   </p:cSld>
@@ -7172,19 +7118,16 @@
           </a:ln>
         </p:spPr>
         <p:txBody>
-          <a:bodyPr wrap="square" rtlCol="0">
+          <a:bodyPr wrap="square" lIns="91440" tIns="45720" rIns="91440" bIns="45720" rtlCol="0" anchor="t">
             <a:spAutoFit/>
           </a:bodyPr>
           <a:lstStyle/>
           <a:p>
-            <a:r>
-              <a:rPr lang="de-DE" dirty="0">
-                <a:solidFill>
-                  <a:srgbClr val="FF0000"/>
-                </a:solidFill>
-              </a:rPr>
-              <a:t>Hiernach 4 Folien mit Bildern je Punkt</a:t>
-            </a:r>
+            <a:endParaRPr lang="de-DE" dirty="0">
+              <a:solidFill>
+                <a:srgbClr val="FF0000"/>
+              </a:solidFill>
+            </a:endParaRPr>
           </a:p>
         </p:txBody>
       </p:sp>
@@ -7192,64 +7135,6 @@
     <p:extLst>
       <p:ext uri="{BB962C8B-B14F-4D97-AF65-F5344CB8AC3E}">
         <p14:creationId xmlns:p14="http://schemas.microsoft.com/office/powerpoint/2010/main" val="3725323047"/>
-      </p:ext>
-    </p:extLst>
-  </p:cSld>
-  <p:clrMapOvr>
-    <a:masterClrMapping/>
-  </p:clrMapOvr>
-</p:sld>
-</file>
-
-<file path=ppt/slides/slide20.xml><?xml version="1.0" encoding="utf-8"?>
-<p:sld xmlns:a="http://schemas.openxmlformats.org/drawingml/2006/main" xmlns:r="http://schemas.openxmlformats.org/officeDocument/2006/relationships" xmlns:p="http://schemas.openxmlformats.org/presentationml/2006/main">
-  <p:cSld>
-    <p:spTree>
-      <p:nvGrpSpPr>
-        <p:cNvPr id="1" name=""/>
-        <p:cNvGrpSpPr/>
-        <p:nvPr/>
-      </p:nvGrpSpPr>
-      <p:grpSpPr>
-        <a:xfrm>
-          <a:off x="0" y="0"/>
-          <a:ext cx="0" cy="0"/>
-          <a:chOff x="0" y="0"/>
-          <a:chExt cx="0" cy="0"/>
-        </a:xfrm>
-      </p:grpSpPr>
-      <p:sp>
-        <p:nvSpPr>
-          <p:cNvPr id="2" name="Titel 1">
-            <a:extLst>
-              <a:ext uri="{FF2B5EF4-FFF2-40B4-BE49-F238E27FC236}">
-                <a16:creationId xmlns:a16="http://schemas.microsoft.com/office/drawing/2014/main" id="{F268A1AC-98ED-8043-8EE4-7B536D365BF2}"/>
-              </a:ext>
-            </a:extLst>
-          </p:cNvPr>
-          <p:cNvSpPr>
-            <a:spLocks noGrp="1"/>
-          </p:cNvSpPr>
-          <p:nvPr>
-            <p:ph type="ctrTitle"/>
-          </p:nvPr>
-        </p:nvSpPr>
-        <p:spPr/>
-        <p:txBody>
-          <a:bodyPr/>
-          <a:lstStyle/>
-          <a:p>
-            <a:r>
-              <a:rPr lang="de-DE" dirty="0"/>
-              <a:t>Danke für eure Aufmerksamkeit</a:t>
-            </a:r>
-          </a:p>
-        </p:txBody>
-      </p:sp>
-    </p:spTree>
-    <p:extLst>
-      <p:ext uri="{BB962C8B-B14F-4D97-AF65-F5344CB8AC3E}">
-        <p14:creationId xmlns:p14="http://schemas.microsoft.com/office/powerpoint/2010/main" val="546379655"/>
       </p:ext>
     </p:extLst>
   </p:cSld>
@@ -7281,7 +7166,7 @@
           <p:cNvPr id="2" name="Titel 1">
             <a:extLst>
               <a:ext uri="{FF2B5EF4-FFF2-40B4-BE49-F238E27FC236}">
-                <a16:creationId xmlns:a16="http://schemas.microsoft.com/office/drawing/2014/main" id="{8C847AAD-EE43-43A9-BBC7-9400F04217A1}"/>
+                <a16:creationId xmlns:a16="http://schemas.microsoft.com/office/drawing/2014/main" id="{4AE5DA6E-B400-46C5-892F-A89C8BEB2A1B}"/>
               </a:ext>
             </a:extLst>
           </p:cNvPr>
@@ -7298,48 +7183,45 @@
           <a:lstStyle/>
           <a:p>
             <a:r>
-              <a:rPr lang="de-DE" sz="3200" dirty="0"/>
-              <a:t>Betriebssystemunabhängig</a:t>
-            </a:r>
-            <a:br>
-              <a:rPr lang="de-DE" sz="3200" dirty="0"/>
-            </a:br>
-            <a:endParaRPr lang="de-DE" dirty="0"/>
-          </a:p>
-        </p:txBody>
-      </p:sp>
-      <p:sp>
-        <p:nvSpPr>
-          <p:cNvPr id="3" name="Inhaltsplatzhalter 2">
-            <a:extLst>
-              <a:ext uri="{FF2B5EF4-FFF2-40B4-BE49-F238E27FC236}">
-                <a16:creationId xmlns:a16="http://schemas.microsoft.com/office/drawing/2014/main" id="{B607105D-71D8-4AF2-B028-7E0CD209EBE1}"/>
-              </a:ext>
-            </a:extLst>
-          </p:cNvPr>
-          <p:cNvSpPr>
-            <a:spLocks noGrp="1"/>
-          </p:cNvSpPr>
+              <a:rPr lang="de-DE" dirty="0"/>
+              <a:t>Betriebsunabhängig</a:t>
+            </a:r>
+          </a:p>
+        </p:txBody>
+      </p:sp>
+      <p:pic>
+        <p:nvPicPr>
+          <p:cNvPr id="7" name="Grafik 7">
+            <a:extLst>
+              <a:ext uri="{FF2B5EF4-FFF2-40B4-BE49-F238E27FC236}">
+                <a16:creationId xmlns:a16="http://schemas.microsoft.com/office/drawing/2014/main" id="{2DBE2CE6-08C9-4226-A3DB-F0C8BB5C6AE8}"/>
+              </a:ext>
+            </a:extLst>
+          </p:cNvPr>
+          <p:cNvPicPr>
+            <a:picLocks noGrp="1" noChangeAspect="1"/>
+          </p:cNvPicPr>
           <p:nvPr>
             <p:ph idx="1"/>
           </p:nvPr>
-        </p:nvSpPr>
-        <p:spPr/>
-        <p:txBody>
-          <a:bodyPr/>
-          <a:lstStyle/>
-          <a:p>
-            <a:r>
-              <a:rPr lang="de-DE" dirty="0"/>
-              <a:t>TODO</a:t>
-            </a:r>
-          </a:p>
-        </p:txBody>
-      </p:sp>
+        </p:nvPicPr>
+        <p:blipFill>
+          <a:blip r:embed="rId2"/>
+          <a:stretch>
+            <a:fillRect/>
+          </a:stretch>
+        </p:blipFill>
+        <p:spPr>
+          <a:xfrm>
+            <a:off x="1604963" y="2201070"/>
+            <a:ext cx="8982075" cy="3009900"/>
+          </a:xfrm>
+        </p:spPr>
+      </p:pic>
     </p:spTree>
     <p:extLst>
       <p:ext uri="{BB962C8B-B14F-4D97-AF65-F5344CB8AC3E}">
-        <p14:creationId xmlns:p14="http://schemas.microsoft.com/office/powerpoint/2010/main" val="1761464270"/>
+        <p14:creationId xmlns:p14="http://schemas.microsoft.com/office/powerpoint/2010/main" val="391830123"/>
       </p:ext>
     </p:extLst>
   </p:cSld>
@@ -7371,7 +7253,7 @@
           <p:cNvPr id="2" name="Titel 1">
             <a:extLst>
               <a:ext uri="{FF2B5EF4-FFF2-40B4-BE49-F238E27FC236}">
-                <a16:creationId xmlns:a16="http://schemas.microsoft.com/office/drawing/2014/main" id="{8F0F1321-2744-49E7-866E-0DD5AE4AA8D5}"/>
+                <a16:creationId xmlns:a16="http://schemas.microsoft.com/office/drawing/2014/main" id="{A302A36A-CED2-4996-B906-4615148A74EC}"/>
               </a:ext>
             </a:extLst>
           </p:cNvPr>
@@ -7388,48 +7270,45 @@
           <a:lstStyle/>
           <a:p>
             <a:r>
-              <a:rPr lang="de-DE" sz="3200" dirty="0"/>
-              <a:t>Arbeiten im Team</a:t>
-            </a:r>
-            <a:br>
-              <a:rPr lang="de-DE" sz="3200" dirty="0"/>
-            </a:br>
-            <a:endParaRPr lang="de-DE" dirty="0"/>
-          </a:p>
-        </p:txBody>
-      </p:sp>
-      <p:sp>
-        <p:nvSpPr>
-          <p:cNvPr id="3" name="Inhaltsplatzhalter 2">
-            <a:extLst>
-              <a:ext uri="{FF2B5EF4-FFF2-40B4-BE49-F238E27FC236}">
-                <a16:creationId xmlns:a16="http://schemas.microsoft.com/office/drawing/2014/main" id="{78987F8A-5ABE-4520-ABFF-7E700B64B6FD}"/>
-              </a:ext>
-            </a:extLst>
-          </p:cNvPr>
-          <p:cNvSpPr>
-            <a:spLocks noGrp="1"/>
-          </p:cNvSpPr>
+              <a:rPr lang="de-DE" dirty="0"/>
+              <a:t>Professionelle Projektstruktur</a:t>
+            </a:r>
+          </a:p>
+        </p:txBody>
+      </p:sp>
+      <p:pic>
+        <p:nvPicPr>
+          <p:cNvPr id="4" name="Grafik 4">
+            <a:extLst>
+              <a:ext uri="{FF2B5EF4-FFF2-40B4-BE49-F238E27FC236}">
+                <a16:creationId xmlns:a16="http://schemas.microsoft.com/office/drawing/2014/main" id="{66E01AC0-4CB1-4A3E-8A5E-B9C65D2EFBB3}"/>
+              </a:ext>
+            </a:extLst>
+          </p:cNvPr>
+          <p:cNvPicPr>
+            <a:picLocks noGrp="1" noChangeAspect="1"/>
+          </p:cNvPicPr>
           <p:nvPr>
             <p:ph idx="1"/>
           </p:nvPr>
-        </p:nvSpPr>
-        <p:spPr/>
-        <p:txBody>
-          <a:bodyPr/>
-          <a:lstStyle/>
-          <a:p>
-            <a:r>
-              <a:rPr lang="de-DE" dirty="0"/>
-              <a:t>TODO</a:t>
-            </a:r>
-          </a:p>
-        </p:txBody>
-      </p:sp>
+        </p:nvPicPr>
+        <p:blipFill>
+          <a:blip r:embed="rId2"/>
+          <a:stretch>
+            <a:fillRect/>
+          </a:stretch>
+        </p:blipFill>
+        <p:spPr>
+          <a:xfrm>
+            <a:off x="2586233" y="1676632"/>
+            <a:ext cx="6926607" cy="4727849"/>
+          </a:xfrm>
+        </p:spPr>
+      </p:pic>
     </p:spTree>
     <p:extLst>
       <p:ext uri="{BB962C8B-B14F-4D97-AF65-F5344CB8AC3E}">
-        <p14:creationId xmlns:p14="http://schemas.microsoft.com/office/powerpoint/2010/main" val="890558080"/>
+        <p14:creationId xmlns:p14="http://schemas.microsoft.com/office/powerpoint/2010/main" val="2719545883"/>
       </p:ext>
     </p:extLst>
   </p:cSld>
@@ -7458,60 +7337,33 @@
       </p:grpSpPr>
       <p:sp>
         <p:nvSpPr>
-          <p:cNvPr id="2" name="Titel 1">
-            <a:extLst>
-              <a:ext uri="{FF2B5EF4-FFF2-40B4-BE49-F238E27FC236}">
-                <a16:creationId xmlns:a16="http://schemas.microsoft.com/office/drawing/2014/main" id="{6EDA3904-593B-44C4-945B-992DEC5BC6C4}"/>
-              </a:ext>
-            </a:extLst>
-          </p:cNvPr>
-          <p:cNvSpPr>
-            <a:spLocks noGrp="1"/>
-          </p:cNvSpPr>
-          <p:nvPr>
-            <p:ph type="title"/>
-          </p:nvPr>
-        </p:nvSpPr>
-        <p:spPr/>
+          <p:cNvPr id="4" name="Titel 3">
+            <a:extLst>
+              <a:ext uri="{FF2B5EF4-FFF2-40B4-BE49-F238E27FC236}">
+                <a16:creationId xmlns:a16="http://schemas.microsoft.com/office/drawing/2014/main" id="{A221EA1B-FE98-B844-82AB-B11210642292}"/>
+              </a:ext>
+            </a:extLst>
+          </p:cNvPr>
+          <p:cNvSpPr>
+            <a:spLocks noGrp="1"/>
+          </p:cNvSpPr>
+          <p:nvPr>
+            <p:ph type="ctrTitle"/>
+          </p:nvPr>
+        </p:nvSpPr>
+        <p:spPr>
+          <a:xfrm>
+            <a:off x="2107200" y="1343304"/>
+            <a:ext cx="7977600" cy="2085696"/>
+          </a:xfrm>
+        </p:spPr>
         <p:txBody>
           <a:bodyPr/>
           <a:lstStyle/>
           <a:p>
             <a:r>
-              <a:rPr lang="de-DE" sz="3200" dirty="0"/>
-              <a:t>Professionelle Projektstruktur</a:t>
-            </a:r>
-            <a:br>
-              <a:rPr lang="de-DE" sz="3200" dirty="0"/>
-            </a:br>
-            <a:endParaRPr lang="de-DE" dirty="0"/>
-          </a:p>
-        </p:txBody>
-      </p:sp>
-      <p:sp>
-        <p:nvSpPr>
-          <p:cNvPr id="3" name="Inhaltsplatzhalter 2">
-            <a:extLst>
-              <a:ext uri="{FF2B5EF4-FFF2-40B4-BE49-F238E27FC236}">
-                <a16:creationId xmlns:a16="http://schemas.microsoft.com/office/drawing/2014/main" id="{B5F3DB4C-7366-4787-8C9A-0C6BE4B57544}"/>
-              </a:ext>
-            </a:extLst>
-          </p:cNvPr>
-          <p:cNvSpPr>
-            <a:spLocks noGrp="1"/>
-          </p:cNvSpPr>
-          <p:nvPr>
-            <p:ph idx="1"/>
-          </p:nvPr>
-        </p:nvSpPr>
-        <p:spPr/>
-        <p:txBody>
-          <a:bodyPr/>
-          <a:lstStyle/>
-          <a:p>
-            <a:r>
               <a:rPr lang="de-DE" dirty="0"/>
-              <a:t>TODO</a:t>
+              <a:t>Show Case</a:t>
             </a:r>
           </a:p>
         </p:txBody>
@@ -7519,7 +7371,7 @@
     </p:spTree>
     <p:extLst>
       <p:ext uri="{BB962C8B-B14F-4D97-AF65-F5344CB8AC3E}">
-        <p14:creationId xmlns:p14="http://schemas.microsoft.com/office/powerpoint/2010/main" val="1366297629"/>
+        <p14:creationId xmlns:p14="http://schemas.microsoft.com/office/powerpoint/2010/main" val="2902095574"/>
       </p:ext>
     </p:extLst>
   </p:cSld>
@@ -7551,159 +7403,6 @@
           <p:cNvPr id="2" name="Titel 1">
             <a:extLst>
               <a:ext uri="{FF2B5EF4-FFF2-40B4-BE49-F238E27FC236}">
-                <a16:creationId xmlns:a16="http://schemas.microsoft.com/office/drawing/2014/main" id="{D160CACC-8E57-471B-BF9C-F928E1E8F405}"/>
-              </a:ext>
-            </a:extLst>
-          </p:cNvPr>
-          <p:cNvSpPr>
-            <a:spLocks noGrp="1"/>
-          </p:cNvSpPr>
-          <p:nvPr>
-            <p:ph type="title"/>
-          </p:nvPr>
-        </p:nvSpPr>
-        <p:spPr/>
-        <p:txBody>
-          <a:bodyPr/>
-          <a:lstStyle/>
-          <a:p>
-            <a:r>
-              <a:rPr lang="de-DE" sz="3200" dirty="0"/>
-              <a:t>Organisierte Planung</a:t>
-            </a:r>
-            <a:br>
-              <a:rPr lang="en-US" sz="3200" dirty="0"/>
-            </a:br>
-            <a:endParaRPr lang="de-DE" dirty="0"/>
-          </a:p>
-        </p:txBody>
-      </p:sp>
-      <p:sp>
-        <p:nvSpPr>
-          <p:cNvPr id="3" name="Inhaltsplatzhalter 2">
-            <a:extLst>
-              <a:ext uri="{FF2B5EF4-FFF2-40B4-BE49-F238E27FC236}">
-                <a16:creationId xmlns:a16="http://schemas.microsoft.com/office/drawing/2014/main" id="{0FFFACBC-A0DE-47AD-87AB-A87C253665A0}"/>
-              </a:ext>
-            </a:extLst>
-          </p:cNvPr>
-          <p:cNvSpPr>
-            <a:spLocks noGrp="1"/>
-          </p:cNvSpPr>
-          <p:nvPr>
-            <p:ph idx="1"/>
-          </p:nvPr>
-        </p:nvSpPr>
-        <p:spPr/>
-        <p:txBody>
-          <a:bodyPr/>
-          <a:lstStyle/>
-          <a:p>
-            <a:r>
-              <a:rPr lang="de-DE" dirty="0"/>
-              <a:t>TODO</a:t>
-            </a:r>
-          </a:p>
-        </p:txBody>
-      </p:sp>
-    </p:spTree>
-    <p:extLst>
-      <p:ext uri="{BB962C8B-B14F-4D97-AF65-F5344CB8AC3E}">
-        <p14:creationId xmlns:p14="http://schemas.microsoft.com/office/powerpoint/2010/main" val="476671431"/>
-      </p:ext>
-    </p:extLst>
-  </p:cSld>
-  <p:clrMapOvr>
-    <a:masterClrMapping/>
-  </p:clrMapOvr>
-</p:sld>
-</file>
-
-<file path=ppt/slides/slide7.xml><?xml version="1.0" encoding="utf-8"?>
-<p:sld xmlns:a="http://schemas.openxmlformats.org/drawingml/2006/main" xmlns:r="http://schemas.openxmlformats.org/officeDocument/2006/relationships" xmlns:p="http://schemas.openxmlformats.org/presentationml/2006/main">
-  <p:cSld>
-    <p:spTree>
-      <p:nvGrpSpPr>
-        <p:cNvPr id="1" name=""/>
-        <p:cNvGrpSpPr/>
-        <p:nvPr/>
-      </p:nvGrpSpPr>
-      <p:grpSpPr>
-        <a:xfrm>
-          <a:off x="0" y="0"/>
-          <a:ext cx="0" cy="0"/>
-          <a:chOff x="0" y="0"/>
-          <a:chExt cx="0" cy="0"/>
-        </a:xfrm>
-      </p:grpSpPr>
-      <p:sp>
-        <p:nvSpPr>
-          <p:cNvPr id="4" name="Titel 3">
-            <a:extLst>
-              <a:ext uri="{FF2B5EF4-FFF2-40B4-BE49-F238E27FC236}">
-                <a16:creationId xmlns:a16="http://schemas.microsoft.com/office/drawing/2014/main" id="{A221EA1B-FE98-B844-82AB-B11210642292}"/>
-              </a:ext>
-            </a:extLst>
-          </p:cNvPr>
-          <p:cNvSpPr>
-            <a:spLocks noGrp="1"/>
-          </p:cNvSpPr>
-          <p:nvPr>
-            <p:ph type="ctrTitle"/>
-          </p:nvPr>
-        </p:nvSpPr>
-        <p:spPr>
-          <a:xfrm>
-            <a:off x="2107200" y="1343304"/>
-            <a:ext cx="7977600" cy="2085696"/>
-          </a:xfrm>
-        </p:spPr>
-        <p:txBody>
-          <a:bodyPr/>
-          <a:lstStyle/>
-          <a:p>
-            <a:r>
-              <a:rPr lang="de-DE" dirty="0"/>
-              <a:t>Show Case</a:t>
-            </a:r>
-          </a:p>
-        </p:txBody>
-      </p:sp>
-    </p:spTree>
-    <p:extLst>
-      <p:ext uri="{BB962C8B-B14F-4D97-AF65-F5344CB8AC3E}">
-        <p14:creationId xmlns:p14="http://schemas.microsoft.com/office/powerpoint/2010/main" val="2902095574"/>
-      </p:ext>
-    </p:extLst>
-  </p:cSld>
-  <p:clrMapOvr>
-    <a:masterClrMapping/>
-  </p:clrMapOvr>
-</p:sld>
-</file>
-
-<file path=ppt/slides/slide8.xml><?xml version="1.0" encoding="utf-8"?>
-<p:sld xmlns:a="http://schemas.openxmlformats.org/drawingml/2006/main" xmlns:r="http://schemas.openxmlformats.org/officeDocument/2006/relationships" xmlns:p="http://schemas.openxmlformats.org/presentationml/2006/main">
-  <p:cSld>
-    <p:spTree>
-      <p:nvGrpSpPr>
-        <p:cNvPr id="1" name=""/>
-        <p:cNvGrpSpPr/>
-        <p:nvPr/>
-      </p:nvGrpSpPr>
-      <p:grpSpPr>
-        <a:xfrm>
-          <a:off x="0" y="0"/>
-          <a:ext cx="0" cy="0"/>
-          <a:chOff x="0" y="0"/>
-          <a:chExt cx="0" cy="0"/>
-        </a:xfrm>
-      </p:grpSpPr>
-      <p:sp>
-        <p:nvSpPr>
-          <p:cNvPr id="2" name="Titel 1">
-            <a:extLst>
-              <a:ext uri="{FF2B5EF4-FFF2-40B4-BE49-F238E27FC236}">
                 <a16:creationId xmlns:a16="http://schemas.microsoft.com/office/drawing/2014/main" id="{ADAC0203-7BC8-0A42-8F30-4C382DA3C118}"/>
               </a:ext>
             </a:extLst>
@@ -7755,12 +7454,40 @@
           </a:p>
         </p:txBody>
       </p:sp>
+      <p:sp>
+        <p:nvSpPr>
+          <p:cNvPr id="6" name="Textplatzhalter 5">
+            <a:extLst>
+              <a:ext uri="{FF2B5EF4-FFF2-40B4-BE49-F238E27FC236}">
+                <a16:creationId xmlns:a16="http://schemas.microsoft.com/office/drawing/2014/main" id="{49D18E51-7D45-8948-A678-5A1D8FF6D5C5}"/>
+              </a:ext>
+            </a:extLst>
+          </p:cNvPr>
+          <p:cNvSpPr>
+            <a:spLocks noGrp="1"/>
+          </p:cNvSpPr>
+          <p:nvPr>
+            <p:ph type="body" sz="quarter" idx="3"/>
+          </p:nvPr>
+        </p:nvSpPr>
+        <p:spPr/>
+        <p:txBody>
+          <a:bodyPr/>
+          <a:lstStyle/>
+          <a:p>
+            <a:r>
+              <a:rPr lang="de-DE" dirty="0"/>
+              <a:t>Windows</a:t>
+            </a:r>
+          </a:p>
+        </p:txBody>
+      </p:sp>
       <p:pic>
         <p:nvPicPr>
-          <p:cNvPr id="9" name="Inhaltsplatzhalter 8">
-            <a:extLst>
-              <a:ext uri="{FF2B5EF4-FFF2-40B4-BE49-F238E27FC236}">
-                <a16:creationId xmlns:a16="http://schemas.microsoft.com/office/drawing/2014/main" id="{079042E0-B9BF-1044-A386-9E02B00233C8}"/>
+          <p:cNvPr id="8" name="Grafik 9" descr="Ein Bild, das Text enthält.&#10;&#10;Beschreibung automatisch generiert.">
+            <a:extLst>
+              <a:ext uri="{FF2B5EF4-FFF2-40B4-BE49-F238E27FC236}">
+                <a16:creationId xmlns:a16="http://schemas.microsoft.com/office/drawing/2014/main" id="{D23C034A-D10B-45B2-8311-9330461D3CFC}"/>
               </a:ext>
             </a:extLst>
           </p:cNvPr>
@@ -7779,45 +7506,17 @@
         </p:blipFill>
         <p:spPr>
           <a:xfrm>
-            <a:off x="1085049" y="3336925"/>
-            <a:ext cx="4737100" cy="1536700"/>
+            <a:off x="989400" y="2888424"/>
+            <a:ext cx="4928400" cy="2432909"/>
           </a:xfrm>
         </p:spPr>
       </p:pic>
-      <p:sp>
-        <p:nvSpPr>
-          <p:cNvPr id="6" name="Textplatzhalter 5">
-            <a:extLst>
-              <a:ext uri="{FF2B5EF4-FFF2-40B4-BE49-F238E27FC236}">
-                <a16:creationId xmlns:a16="http://schemas.microsoft.com/office/drawing/2014/main" id="{49D18E51-7D45-8948-A678-5A1D8FF6D5C5}"/>
-              </a:ext>
-            </a:extLst>
-          </p:cNvPr>
-          <p:cNvSpPr>
-            <a:spLocks noGrp="1"/>
-          </p:cNvSpPr>
-          <p:nvPr>
-            <p:ph type="body" sz="quarter" idx="3"/>
-          </p:nvPr>
-        </p:nvSpPr>
-        <p:spPr/>
-        <p:txBody>
-          <a:bodyPr/>
-          <a:lstStyle/>
-          <a:p>
-            <a:r>
-              <a:rPr lang="de-DE" dirty="0"/>
-              <a:t>Windows</a:t>
-            </a:r>
-          </a:p>
-        </p:txBody>
-      </p:sp>
       <p:pic>
         <p:nvPicPr>
-          <p:cNvPr id="11" name="Inhaltsplatzhalter 10" descr="Ein Bild, das Text enthält.&#10;&#10;Automatisch generierte Beschreibung">
-            <a:extLst>
-              <a:ext uri="{FF2B5EF4-FFF2-40B4-BE49-F238E27FC236}">
-                <a16:creationId xmlns:a16="http://schemas.microsoft.com/office/drawing/2014/main" id="{1F95E82F-EC66-1243-B418-EFD46E6B8007}"/>
+          <p:cNvPr id="13" name="Grafik 13" descr="Ein Bild, das Text enthält.&#10;&#10;Beschreibung automatisch generiert.">
+            <a:extLst>
+              <a:ext uri="{FF2B5EF4-FFF2-40B4-BE49-F238E27FC236}">
+                <a16:creationId xmlns:a16="http://schemas.microsoft.com/office/drawing/2014/main" id="{F04DB289-B3C5-43A6-8E11-7E2B74A98914}"/>
               </a:ext>
             </a:extLst>
           </p:cNvPr>
@@ -7836,66 +7535,11 @@
         </p:blipFill>
         <p:spPr>
           <a:xfrm>
-            <a:off x="6312694" y="3336925"/>
-            <a:ext cx="4851400" cy="1536700"/>
+            <a:off x="6274200" y="2626359"/>
+            <a:ext cx="5365156" cy="3217235"/>
           </a:xfrm>
         </p:spPr>
       </p:pic>
-      <p:sp>
-        <p:nvSpPr>
-          <p:cNvPr id="7" name="Textfeld 6">
-            <a:extLst>
-              <a:ext uri="{FF2B5EF4-FFF2-40B4-BE49-F238E27FC236}">
-                <a16:creationId xmlns:a16="http://schemas.microsoft.com/office/drawing/2014/main" id="{6A65D72E-5DA8-44D4-8C22-D69AC799263E}"/>
-              </a:ext>
-            </a:extLst>
-          </p:cNvPr>
-          <p:cNvSpPr txBox="1"/>
-          <p:nvPr/>
-        </p:nvSpPr>
-        <p:spPr>
-          <a:xfrm>
-            <a:off x="3736661" y="2932223"/>
-            <a:ext cx="5690915" cy="369332"/>
-          </a:xfrm>
-          <a:prstGeom prst="rect">
-            <a:avLst/>
-          </a:prstGeom>
-          <a:noFill/>
-          <a:ln>
-            <a:noFill/>
-          </a:ln>
-        </p:spPr>
-        <p:txBody>
-          <a:bodyPr wrap="square" rtlCol="0">
-            <a:spAutoFit/>
-          </a:bodyPr>
-          <a:lstStyle/>
-          <a:p>
-            <a:r>
-              <a:rPr lang="de-DE" dirty="0">
-                <a:solidFill>
-                  <a:srgbClr val="FF0000"/>
-                </a:solidFill>
-              </a:rPr>
-              <a:t>Anwendungsbeispiel nicht </a:t>
-            </a:r>
-            <a:r>
-              <a:rPr lang="de-DE" dirty="0" err="1">
-                <a:solidFill>
-                  <a:srgbClr val="FF0000"/>
-                </a:solidFill>
-              </a:rPr>
-              <a:t>defineanweisungen</a:t>
-            </a:r>
-            <a:endParaRPr lang="de-DE" dirty="0">
-              <a:solidFill>
-                <a:srgbClr val="FF0000"/>
-              </a:solidFill>
-            </a:endParaRPr>
-          </a:p>
-        </p:txBody>
-      </p:sp>
     </p:spTree>
     <p:extLst>
       <p:ext uri="{BB962C8B-B14F-4D97-AF65-F5344CB8AC3E}">
@@ -7909,7 +7553,7 @@
 </p:sld>
 </file>
 
-<file path=ppt/slides/slide9.xml><?xml version="1.0" encoding="utf-8"?>
+<file path=ppt/slides/slide7.xml><?xml version="1.0" encoding="utf-8"?>
 <p:sld xmlns:a="http://schemas.openxmlformats.org/drawingml/2006/main" xmlns:r="http://schemas.openxmlformats.org/officeDocument/2006/relationships" xmlns:p="http://schemas.openxmlformats.org/presentationml/2006/main">
   <p:cSld>
     <p:spTree>
@@ -8026,6 +7670,232 @@
     <p:extLst>
       <p:ext uri="{BB962C8B-B14F-4D97-AF65-F5344CB8AC3E}">
         <p14:creationId xmlns:p14="http://schemas.microsoft.com/office/powerpoint/2010/main" val="2389419199"/>
+      </p:ext>
+    </p:extLst>
+  </p:cSld>
+  <p:clrMapOvr>
+    <a:masterClrMapping/>
+  </p:clrMapOvr>
+</p:sld>
+</file>
+
+<file path=ppt/slides/slide8.xml><?xml version="1.0" encoding="utf-8"?>
+<p:sld xmlns:a="http://schemas.openxmlformats.org/drawingml/2006/main" xmlns:r="http://schemas.openxmlformats.org/officeDocument/2006/relationships" xmlns:p="http://schemas.openxmlformats.org/presentationml/2006/main">
+  <p:cSld>
+    <p:spTree>
+      <p:nvGrpSpPr>
+        <p:cNvPr id="1" name=""/>
+        <p:cNvGrpSpPr/>
+        <p:nvPr/>
+      </p:nvGrpSpPr>
+      <p:grpSpPr>
+        <a:xfrm>
+          <a:off x="0" y="0"/>
+          <a:ext cx="0" cy="0"/>
+          <a:chOff x="0" y="0"/>
+          <a:chExt cx="0" cy="0"/>
+        </a:xfrm>
+      </p:grpSpPr>
+      <p:sp>
+        <p:nvSpPr>
+          <p:cNvPr id="2" name="Titel 1">
+            <a:extLst>
+              <a:ext uri="{FF2B5EF4-FFF2-40B4-BE49-F238E27FC236}">
+                <a16:creationId xmlns:a16="http://schemas.microsoft.com/office/drawing/2014/main" id="{5DE51B34-B75C-7E44-9C0F-EBFE5105E148}"/>
+              </a:ext>
+            </a:extLst>
+          </p:cNvPr>
+          <p:cNvSpPr>
+            <a:spLocks noGrp="1"/>
+          </p:cNvSpPr>
+          <p:nvPr>
+            <p:ph type="title"/>
+          </p:nvPr>
+        </p:nvSpPr>
+        <p:spPr/>
+        <p:txBody>
+          <a:bodyPr/>
+          <a:lstStyle/>
+          <a:p>
+            <a:r>
+              <a:rPr lang="de-DE" dirty="0"/>
+              <a:t>Code Auszug: Asynchroner Schutz (Semaphoren)</a:t>
+            </a:r>
+          </a:p>
+        </p:txBody>
+      </p:sp>
+      <p:pic>
+        <p:nvPicPr>
+          <p:cNvPr id="7" name="Inhaltsplatzhalter 6" descr="Ein Bild, das Text enthält.&#10;&#10;Automatisch generierte Beschreibung">
+            <a:extLst>
+              <a:ext uri="{FF2B5EF4-FFF2-40B4-BE49-F238E27FC236}">
+                <a16:creationId xmlns:a16="http://schemas.microsoft.com/office/drawing/2014/main" id="{8B03E9B0-CB1D-FB4D-B201-5E54BB311B9B}"/>
+              </a:ext>
+            </a:extLst>
+          </p:cNvPr>
+          <p:cNvPicPr>
+            <a:picLocks noGrp="1" noChangeAspect="1"/>
+          </p:cNvPicPr>
+          <p:nvPr>
+            <p:ph idx="1"/>
+          </p:nvPr>
+        </p:nvPicPr>
+        <p:blipFill>
+          <a:blip r:embed="rId2"/>
+          <a:stretch>
+            <a:fillRect/>
+          </a:stretch>
+        </p:blipFill>
+        <p:spPr>
+          <a:xfrm>
+            <a:off x="1911350" y="3178969"/>
+            <a:ext cx="8369300" cy="1054100"/>
+          </a:xfrm>
+        </p:spPr>
+      </p:pic>
+    </p:spTree>
+    <p:extLst>
+      <p:ext uri="{BB962C8B-B14F-4D97-AF65-F5344CB8AC3E}">
+        <p14:creationId xmlns:p14="http://schemas.microsoft.com/office/powerpoint/2010/main" val="2104931142"/>
+      </p:ext>
+    </p:extLst>
+  </p:cSld>
+  <p:clrMapOvr>
+    <a:masterClrMapping/>
+  </p:clrMapOvr>
+</p:sld>
+</file>
+
+<file path=ppt/slides/slide9.xml><?xml version="1.0" encoding="utf-8"?>
+<p:sld xmlns:a="http://schemas.openxmlformats.org/drawingml/2006/main" xmlns:r="http://schemas.openxmlformats.org/officeDocument/2006/relationships" xmlns:p="http://schemas.openxmlformats.org/presentationml/2006/main">
+  <p:cSld>
+    <p:spTree>
+      <p:nvGrpSpPr>
+        <p:cNvPr id="1" name=""/>
+        <p:cNvGrpSpPr/>
+        <p:nvPr/>
+      </p:nvGrpSpPr>
+      <p:grpSpPr>
+        <a:xfrm>
+          <a:off x="0" y="0"/>
+          <a:ext cx="0" cy="0"/>
+          <a:chOff x="0" y="0"/>
+          <a:chExt cx="0" cy="0"/>
+        </a:xfrm>
+      </p:grpSpPr>
+      <p:sp>
+        <p:nvSpPr>
+          <p:cNvPr id="2" name="Titel 1">
+            <a:extLst>
+              <a:ext uri="{FF2B5EF4-FFF2-40B4-BE49-F238E27FC236}">
+                <a16:creationId xmlns:a16="http://schemas.microsoft.com/office/drawing/2014/main" id="{93C1CD93-B848-084F-BBA3-68B8F892F035}"/>
+              </a:ext>
+            </a:extLst>
+          </p:cNvPr>
+          <p:cNvSpPr>
+            <a:spLocks noGrp="1"/>
+          </p:cNvSpPr>
+          <p:nvPr>
+            <p:ph type="title"/>
+          </p:nvPr>
+        </p:nvSpPr>
+        <p:spPr/>
+        <p:txBody>
+          <a:bodyPr/>
+          <a:lstStyle/>
+          <a:p>
+            <a:r>
+              <a:rPr lang="de-DE" dirty="0"/>
+              <a:t>Code Auszug: PUT Befehl</a:t>
+            </a:r>
+          </a:p>
+        </p:txBody>
+      </p:sp>
+      <p:pic>
+        <p:nvPicPr>
+          <p:cNvPr id="5" name="Inhaltsplatzhalter 4" descr="Ein Bild, das Text enthält.&#10;&#10;Automatisch generierte Beschreibung">
+            <a:extLst>
+              <a:ext uri="{FF2B5EF4-FFF2-40B4-BE49-F238E27FC236}">
+                <a16:creationId xmlns:a16="http://schemas.microsoft.com/office/drawing/2014/main" id="{B01FD024-579F-E94E-A141-2A94C4012D08}"/>
+              </a:ext>
+            </a:extLst>
+          </p:cNvPr>
+          <p:cNvPicPr>
+            <a:picLocks noGrp="1" noChangeAspect="1"/>
+          </p:cNvPicPr>
+          <p:nvPr>
+            <p:ph idx="1"/>
+          </p:nvPr>
+        </p:nvPicPr>
+        <p:blipFill>
+          <a:blip r:embed="rId2"/>
+          <a:stretch>
+            <a:fillRect/>
+          </a:stretch>
+        </p:blipFill>
+        <p:spPr>
+          <a:xfrm>
+            <a:off x="1686488" y="1685925"/>
+            <a:ext cx="8819025" cy="4040188"/>
+          </a:xfrm>
+        </p:spPr>
+      </p:pic>
+      <p:sp>
+        <p:nvSpPr>
+          <p:cNvPr id="7" name="Rechteck 6">
+            <a:extLst>
+              <a:ext uri="{FF2B5EF4-FFF2-40B4-BE49-F238E27FC236}">
+                <a16:creationId xmlns:a16="http://schemas.microsoft.com/office/drawing/2014/main" id="{60A32F69-9442-4BFD-847C-0E51156893C9}"/>
+              </a:ext>
+            </a:extLst>
+          </p:cNvPr>
+          <p:cNvSpPr/>
+          <p:nvPr/>
+        </p:nvSpPr>
+        <p:spPr>
+          <a:xfrm>
+            <a:off x="2013358" y="2248250"/>
+            <a:ext cx="7961152" cy="243280"/>
+          </a:xfrm>
+          <a:prstGeom prst="rect">
+            <a:avLst/>
+          </a:prstGeom>
+          <a:noFill/>
+          <a:ln>
+            <a:solidFill>
+              <a:srgbClr val="FF0000"/>
+            </a:solidFill>
+          </a:ln>
+        </p:spPr>
+        <p:style>
+          <a:lnRef idx="2">
+            <a:schemeClr val="accent1">
+              <a:shade val="50000"/>
+            </a:schemeClr>
+          </a:lnRef>
+          <a:fillRef idx="1">
+            <a:schemeClr val="accent1"/>
+          </a:fillRef>
+          <a:effectRef idx="0">
+            <a:schemeClr val="accent1"/>
+          </a:effectRef>
+          <a:fontRef idx="minor">
+            <a:schemeClr val="lt1"/>
+          </a:fontRef>
+        </p:style>
+        <p:txBody>
+          <a:bodyPr rtlCol="0" anchor="ctr"/>
+          <a:lstStyle/>
+          <a:p>
+            <a:pPr algn="ctr"/>
+            <a:endParaRPr lang="de-DE"/>
+          </a:p>
+        </p:txBody>
+      </p:sp>
+    </p:spTree>
+    <p:extLst>
+      <p:ext uri="{BB962C8B-B14F-4D97-AF65-F5344CB8AC3E}">
+        <p14:creationId xmlns:p14="http://schemas.microsoft.com/office/powerpoint/2010/main" val="603552313"/>
       </p:ext>
     </p:extLst>
   </p:cSld>
